--- a/public/Practice_Task2/Stimuli/uws_instr_slides_ver2_jpg.pptx
+++ b/public/Practice_Task2/Stimuli/uws_instr_slides_ver2_jpg.pptx
@@ -5,7 +5,7 @@
     <p:sldMasterId id="2147483648" r:id="rId1"/>
   </p:sldMasterIdLst>
   <p:notesMasterIdLst>
-    <p:notesMasterId r:id="rId14"/>
+    <p:notesMasterId r:id="rId16"/>
   </p:notesMasterIdLst>
   <p:sldIdLst>
     <p:sldId id="257" r:id="rId2"/>
@@ -20,6 +20,8 @@
     <p:sldId id="282" r:id="rId11"/>
     <p:sldId id="283" r:id="rId12"/>
     <p:sldId id="284" r:id="rId13"/>
+    <p:sldId id="288" r:id="rId14"/>
+    <p:sldId id="289" r:id="rId15"/>
   </p:sldIdLst>
   <p:sldSz cx="9144000" cy="6858000" type="screen4x3"/>
   <p:notesSz cx="6858000" cy="9144000"/>
@@ -120,7 +122,7 @@
   </p:defaultTextStyle>
   <p:extLst>
     <p:ext uri="{EFAFB233-063F-42B5-8137-9DF3F51BA10A}">
-      <p15:sldGuideLst xmlns:p15="http://schemas.microsoft.com/office/powerpoint/2012/main">
+      <p15:sldGuideLst xmlns:p15="http://schemas.microsoft.com/office/powerpoint/2012/main" xmlns="">
         <p15:guide id="1" orient="horz" pos="2268">
           <p15:clr>
             <a:srgbClr val="A4A3A4"/>
@@ -219,7 +221,7 @@
           <a:p>
             <a:fld id="{13EAB001-375A-47A6-A0AF-DD7CD76DA757}" type="datetimeFigureOut">
               <a:rPr lang="en-GB" smtClean="0"/>
-              <a:t>17/09/2019</a:t>
+              <a:t>11/2/19</a:t>
             </a:fld>
             <a:endParaRPr lang="en-GB"/>
           </a:p>
@@ -836,7 +838,7 @@
           <a:p>
             <a:fld id="{538185A6-F7C7-2D4F-BA59-879D5B10606E}" type="datetimeFigureOut">
               <a:rPr lang="en-US" smtClean="0"/>
-              <a:t>9/17/2019</a:t>
+              <a:t>11/2/19</a:t>
             </a:fld>
             <a:endParaRPr lang="en-US"/>
           </a:p>
@@ -1006,7 +1008,7 @@
           <a:p>
             <a:fld id="{538185A6-F7C7-2D4F-BA59-879D5B10606E}" type="datetimeFigureOut">
               <a:rPr lang="en-US" smtClean="0"/>
-              <a:t>9/17/2019</a:t>
+              <a:t>11/2/19</a:t>
             </a:fld>
             <a:endParaRPr lang="en-US"/>
           </a:p>
@@ -1186,7 +1188,7 @@
           <a:p>
             <a:fld id="{538185A6-F7C7-2D4F-BA59-879D5B10606E}" type="datetimeFigureOut">
               <a:rPr lang="en-US" smtClean="0"/>
-              <a:t>9/17/2019</a:t>
+              <a:t>11/2/19</a:t>
             </a:fld>
             <a:endParaRPr lang="en-US"/>
           </a:p>
@@ -1356,7 +1358,7 @@
           <a:p>
             <a:fld id="{538185A6-F7C7-2D4F-BA59-879D5B10606E}" type="datetimeFigureOut">
               <a:rPr lang="en-US" smtClean="0"/>
-              <a:t>9/17/2019</a:t>
+              <a:t>11/2/19</a:t>
             </a:fld>
             <a:endParaRPr lang="en-US"/>
           </a:p>
@@ -1602,7 +1604,7 @@
           <a:p>
             <a:fld id="{538185A6-F7C7-2D4F-BA59-879D5B10606E}" type="datetimeFigureOut">
               <a:rPr lang="en-US" smtClean="0"/>
-              <a:t>9/17/2019</a:t>
+              <a:t>11/2/19</a:t>
             </a:fld>
             <a:endParaRPr lang="en-US"/>
           </a:p>
@@ -1890,7 +1892,7 @@
           <a:p>
             <a:fld id="{538185A6-F7C7-2D4F-BA59-879D5B10606E}" type="datetimeFigureOut">
               <a:rPr lang="en-US" smtClean="0"/>
-              <a:t>9/17/2019</a:t>
+              <a:t>11/2/19</a:t>
             </a:fld>
             <a:endParaRPr lang="en-US"/>
           </a:p>
@@ -2312,7 +2314,7 @@
           <a:p>
             <a:fld id="{538185A6-F7C7-2D4F-BA59-879D5B10606E}" type="datetimeFigureOut">
               <a:rPr lang="en-US" smtClean="0"/>
-              <a:t>9/17/2019</a:t>
+              <a:t>11/2/19</a:t>
             </a:fld>
             <a:endParaRPr lang="en-US"/>
           </a:p>
@@ -2430,7 +2432,7 @@
           <a:p>
             <a:fld id="{538185A6-F7C7-2D4F-BA59-879D5B10606E}" type="datetimeFigureOut">
               <a:rPr lang="en-US" smtClean="0"/>
-              <a:t>9/17/2019</a:t>
+              <a:t>11/2/19</a:t>
             </a:fld>
             <a:endParaRPr lang="en-US"/>
           </a:p>
@@ -2525,7 +2527,7 @@
           <a:p>
             <a:fld id="{538185A6-F7C7-2D4F-BA59-879D5B10606E}" type="datetimeFigureOut">
               <a:rPr lang="en-US" smtClean="0"/>
-              <a:t>9/17/2019</a:t>
+              <a:t>11/2/19</a:t>
             </a:fld>
             <a:endParaRPr lang="en-US"/>
           </a:p>
@@ -2802,7 +2804,7 @@
           <a:p>
             <a:fld id="{538185A6-F7C7-2D4F-BA59-879D5B10606E}" type="datetimeFigureOut">
               <a:rPr lang="en-US" smtClean="0"/>
-              <a:t>9/17/2019</a:t>
+              <a:t>11/2/19</a:t>
             </a:fld>
             <a:endParaRPr lang="en-US"/>
           </a:p>
@@ -3055,7 +3057,7 @@
           <a:p>
             <a:fld id="{538185A6-F7C7-2D4F-BA59-879D5B10606E}" type="datetimeFigureOut">
               <a:rPr lang="en-US" smtClean="0"/>
-              <a:t>9/17/2019</a:t>
+              <a:t>11/2/19</a:t>
             </a:fld>
             <a:endParaRPr lang="en-US"/>
           </a:p>
@@ -3268,7 +3270,7 @@
           <a:p>
             <a:fld id="{538185A6-F7C7-2D4F-BA59-879D5B10606E}" type="datetimeFigureOut">
               <a:rPr lang="en-US" smtClean="0"/>
-              <a:t>9/17/2019</a:t>
+              <a:t>11/2/19</a:t>
             </a:fld>
             <a:endParaRPr lang="en-US"/>
           </a:p>
@@ -3653,7 +3655,12 @@
             <p:ph idx="1"/>
           </p:nvPr>
         </p:nvSpPr>
-        <p:spPr/>
+        <p:spPr>
+          <a:xfrm>
+            <a:off x="539496" y="1100241"/>
+            <a:ext cx="8229600" cy="5107376"/>
+          </a:xfrm>
+        </p:spPr>
         <p:txBody>
           <a:bodyPr>
             <a:normAutofit/>
@@ -3665,11 +3672,11 @@
             </a:pPr>
             <a:r>
               <a:rPr lang="en-US" sz="2400" dirty="0"/>
-              <a:t>Welcome to the experiment! Please read the instructions carefully</a:t>
+              <a:t>Welcome to the </a:t>
             </a:r>
             <a:r>
               <a:rPr lang="en-US" sz="2400" dirty="0" smtClean="0"/>
-              <a:t>.</a:t>
+              <a:t>MEG instruction and training session!</a:t>
             </a:r>
           </a:p>
           <a:p>
@@ -3684,58 +3691,14 @@
             </a:pPr>
             <a:r>
               <a:rPr lang="en-US" sz="2400" dirty="0" smtClean="0"/>
-              <a:t>In this experiment, you </a:t>
-            </a:r>
-            <a:r>
-              <a:rPr lang="en-US" sz="2400" dirty="0"/>
-              <a:t>will perform two tasks at a video-game casino. </a:t>
-            </a:r>
-            <a:r>
-              <a:rPr lang="en-US" sz="2400" dirty="0" smtClean="0"/>
-              <a:t>The entire experiment will take somewhere between </a:t>
-            </a:r>
-            <a:r>
-              <a:rPr lang="en-US" sz="2400" dirty="0" smtClean="0"/>
-              <a:t>60 </a:t>
-            </a:r>
-            <a:r>
-              <a:rPr lang="en-US" sz="2400" dirty="0" smtClean="0"/>
-              <a:t>and </a:t>
-            </a:r>
-            <a:r>
-              <a:rPr lang="en-US" sz="2400" dirty="0" smtClean="0"/>
-              <a:t>75 </a:t>
-            </a:r>
-            <a:r>
-              <a:rPr lang="en-US" sz="2400" dirty="0" smtClean="0"/>
-              <a:t>minutes. We expect the first task will take about </a:t>
-            </a:r>
-            <a:r>
-              <a:rPr lang="en-US" sz="2400" dirty="0" smtClean="0"/>
-              <a:t>15 </a:t>
-            </a:r>
-            <a:r>
-              <a:rPr lang="en-US" sz="2400" dirty="0" smtClean="0"/>
-              <a:t>minutes, the second task will take about 35 minutes, and the two sets of instructions in total will take about </a:t>
-            </a:r>
-            <a:r>
-              <a:rPr lang="en-US" sz="2400" dirty="0" smtClean="0"/>
-              <a:t>10 </a:t>
-            </a:r>
-            <a:r>
-              <a:rPr lang="en-US" sz="2400" dirty="0" smtClean="0"/>
-              <a:t>minutes</a:t>
-            </a:r>
-            <a:r>
-              <a:rPr lang="en-US" sz="2400" dirty="0" smtClean="0"/>
-              <a:t>.</a:t>
+              <a:t>Completion of this training task is necessary in order to participate in the MEG experiment. Additionally, your ability to participate in the MEG experiment will be depend on your performance on this practice session. It is important that you try your best.</a:t>
             </a:r>
           </a:p>
           <a:p>
             <a:pPr marL="0" indent="0">
               <a:buNone/>
             </a:pPr>
-            <a:endParaRPr lang="en-US" sz="2400" dirty="0"/>
+            <a:endParaRPr lang="en-US" sz="2400" dirty="0" smtClean="0"/>
           </a:p>
           <a:p>
             <a:pPr marL="0" indent="0">
@@ -3743,9 +3706,27 @@
             </a:pPr>
             <a:r>
               <a:rPr lang="en-US" sz="2400" dirty="0" smtClean="0"/>
-              <a:t>You will receive a base-pay of £6.50 per hour with a possible bonus of 0 - £3, depending on your choices.</a:t>
-            </a:r>
-            <a:endParaRPr lang="en-US" sz="2400" dirty="0"/>
+              <a:t>The entire </a:t>
+            </a:r>
+            <a:r>
+              <a:rPr lang="en-US" sz="2400" dirty="0" smtClean="0"/>
+              <a:t>session </a:t>
+            </a:r>
+            <a:r>
+              <a:rPr lang="en-US" sz="2400" dirty="0" smtClean="0"/>
+              <a:t>should take about </a:t>
+            </a:r>
+            <a:r>
+              <a:rPr lang="en-US" sz="2400" dirty="0" smtClean="0"/>
+              <a:t>60 minutes.</a:t>
+            </a:r>
+            <a:endParaRPr lang="en-US" sz="2400" dirty="0" smtClean="0"/>
+          </a:p>
+          <a:p>
+            <a:pPr marL="0" indent="0">
+              <a:buNone/>
+            </a:pPr>
+            <a:endParaRPr lang="en-US" sz="2400" dirty="0" smtClean="0"/>
           </a:p>
         </p:txBody>
       </p:sp>
@@ -3762,7 +3743,7 @@
   <p:timing>
     <p:tnLst>
       <p:par>
-        <p:cTn id="1" dur="indefinite" restart="never" nodeType="tmRoot"/>
+        <p:cTn xmlns:p14="http://schemas.microsoft.com/office/powerpoint/2010/main" id="1" dur="indefinite" restart="never" nodeType="tmRoot"/>
       </p:par>
     </p:tnLst>
   </p:timing>
@@ -3811,6 +3792,29 @@
             <a:r>
               <a:rPr lang="en-GB" sz="2400" dirty="0" smtClean="0"/>
               <a:t>Great. As an attention check, there will be a few games like this in the task. For these, you’ll have to report the point value of a given banknote.</a:t>
+            </a:r>
+          </a:p>
+          <a:p>
+            <a:pPr>
+              <a:tabLst>
+                <a:tab pos="976313" algn="l"/>
+              </a:tabLst>
+            </a:pPr>
+            <a:r>
+              <a:rPr lang="en-GB" sz="2400" b="1" dirty="0" smtClean="0"/>
+              <a:t>In the MEG task, answering these </a:t>
+            </a:r>
+            <a:r>
+              <a:rPr lang="en-GB" sz="2400" b="1" dirty="0" smtClean="0"/>
+              <a:t>attention check questions correctly is extremely important. For each attention check question you answer wrong, you will lose </a:t>
+            </a:r>
+            <a:r>
+              <a:rPr lang="en-GB" sz="2400" b="1" dirty="0" smtClean="0"/>
+              <a:t>25 pence </a:t>
+            </a:r>
+            <a:r>
+              <a:rPr lang="en-GB" sz="2400" b="1" dirty="0" smtClean="0"/>
+              <a:t>from your bonus.</a:t>
             </a:r>
           </a:p>
           <a:p>
@@ -3954,41 +3958,41 @@
         </p:spPr>
         <p:txBody>
           <a:bodyPr>
-            <a:normAutofit fontScale="92500" lnSpcReduction="10000"/>
+            <a:normAutofit/>
           </a:bodyPr>
           <a:lstStyle/>
           <a:p>
             <a:r>
-              <a:rPr lang="en-GB" dirty="0"/>
+              <a:rPr lang="en-GB" sz="2200" dirty="0"/>
               <a:t>Great work</a:t>
             </a:r>
             <a:r>
-              <a:rPr lang="en-GB" dirty="0" smtClean="0"/>
+              <a:rPr lang="en-GB" sz="2200" dirty="0" smtClean="0"/>
               <a:t>!</a:t>
             </a:r>
           </a:p>
           <a:p>
             <a:r>
-              <a:rPr lang="en-GB" dirty="0"/>
+              <a:rPr lang="en-GB" sz="2200" dirty="0"/>
               <a:t>Y</a:t>
             </a:r>
             <a:r>
-              <a:rPr lang="en-GB" dirty="0" smtClean="0"/>
-              <a:t>our bonus will be affected both by the total number of points you collect as well as your performance on attention check questions. In terms of collecting banknotes, banknotes with positive point values add their points to your collection. Bank notes with negative point values take away points.</a:t>
-            </a:r>
-          </a:p>
-          <a:p>
-            <a:r>
-              <a:rPr lang="en-GB" dirty="0" smtClean="0"/>
+              <a:rPr lang="en-GB" sz="2200" dirty="0" smtClean="0"/>
+              <a:t>our bonus (and overall performance) will be affected both by the points you collect as well as your performance on attention check questions. In terms of collecting banknotes, banknotes with positive point values add their points to your collection. Bank notes with negative point values take away points.</a:t>
+            </a:r>
+          </a:p>
+          <a:p>
+            <a:r>
+              <a:rPr lang="en-GB" sz="2200" dirty="0" smtClean="0"/>
               <a:t>You’ll need to pass a quiz on the instructions in order to move onto the task.</a:t>
             </a:r>
           </a:p>
           <a:p>
             <a:r>
-              <a:rPr lang="en-GB" dirty="0" smtClean="0"/>
+              <a:rPr lang="en-GB" sz="2200" dirty="0" smtClean="0"/>
               <a:t>Getting a question wrong will require you to re-read the instructions.</a:t>
             </a:r>
-            <a:endParaRPr lang="en-GB" dirty="0"/>
+            <a:endParaRPr lang="en-GB" sz="2200" dirty="0"/>
           </a:p>
         </p:txBody>
       </p:sp>
@@ -3996,6 +4000,322 @@
     <p:extLst>
       <p:ext uri="{BB962C8B-B14F-4D97-AF65-F5344CB8AC3E}">
         <p14:creationId xmlns:p14="http://schemas.microsoft.com/office/powerpoint/2010/main" val="3875894789"/>
+      </p:ext>
+    </p:extLst>
+  </p:cSld>
+  <p:clrMapOvr>
+    <a:masterClrMapping/>
+  </p:clrMapOvr>
+</p:sld>
+</file>
+
+<file path=ppt/slides/slide13.xml><?xml version="1.0" encoding="utf-8"?>
+<p:sld xmlns:a="http://schemas.openxmlformats.org/drawingml/2006/main" xmlns:r="http://schemas.openxmlformats.org/officeDocument/2006/relationships" xmlns:p="http://schemas.openxmlformats.org/presentationml/2006/main">
+  <p:cSld>
+    <p:spTree>
+      <p:nvGrpSpPr>
+        <p:cNvPr id="1" name=""/>
+        <p:cNvGrpSpPr/>
+        <p:nvPr/>
+      </p:nvGrpSpPr>
+      <p:grpSpPr>
+        <a:xfrm>
+          <a:off x="0" y="0"/>
+          <a:ext cx="0" cy="0"/>
+          <a:chOff x="0" y="0"/>
+          <a:chExt cx="0" cy="0"/>
+        </a:xfrm>
+      </p:grpSpPr>
+      <p:sp>
+        <p:nvSpPr>
+          <p:cNvPr id="2" name="Title 1"/>
+          <p:cNvSpPr>
+            <a:spLocks noGrp="1"/>
+          </p:cNvSpPr>
+          <p:nvPr>
+            <p:ph type="title"/>
+          </p:nvPr>
+        </p:nvSpPr>
+        <p:spPr/>
+        <p:txBody>
+          <a:bodyPr/>
+          <a:lstStyle/>
+          <a:p>
+            <a:r>
+              <a:rPr lang="en-GB" dirty="0" smtClean="0"/>
+              <a:t>Info on MEG task</a:t>
+            </a:r>
+            <a:endParaRPr lang="en-GB" dirty="0"/>
+          </a:p>
+        </p:txBody>
+      </p:sp>
+      <p:sp>
+        <p:nvSpPr>
+          <p:cNvPr id="3" name="Content Placeholder 2"/>
+          <p:cNvSpPr>
+            <a:spLocks noGrp="1"/>
+          </p:cNvSpPr>
+          <p:nvPr>
+            <p:ph idx="1"/>
+          </p:nvPr>
+        </p:nvSpPr>
+        <p:spPr>
+          <a:xfrm>
+            <a:off x="457200" y="1253569"/>
+            <a:ext cx="8229600" cy="5356159"/>
+          </a:xfrm>
+        </p:spPr>
+        <p:txBody>
+          <a:bodyPr>
+            <a:normAutofit fontScale="85000" lnSpcReduction="20000"/>
+          </a:bodyPr>
+          <a:lstStyle/>
+          <a:p>
+            <a:r>
+              <a:rPr lang="en-GB" sz="2400" dirty="0" smtClean="0"/>
+              <a:t>Great work. You’ve completed the </a:t>
+            </a:r>
+            <a:r>
+              <a:rPr lang="en-GB" sz="2400" dirty="0" smtClean="0"/>
+              <a:t>training session</a:t>
+            </a:r>
+            <a:r>
+              <a:rPr lang="en-GB" sz="2400" dirty="0" smtClean="0"/>
+              <a:t>.</a:t>
+            </a:r>
+          </a:p>
+          <a:p>
+            <a:r>
+              <a:rPr lang="en-GB" sz="2400" dirty="0"/>
+              <a:t>T</a:t>
+            </a:r>
+            <a:r>
+              <a:rPr lang="en-GB" sz="2400" dirty="0" smtClean="0"/>
+              <a:t>he </a:t>
+            </a:r>
+            <a:r>
+              <a:rPr lang="en-GB" sz="2400" dirty="0" smtClean="0"/>
+              <a:t>MEG </a:t>
+            </a:r>
+            <a:r>
+              <a:rPr lang="en-GB" sz="2400" dirty="0" smtClean="0"/>
+              <a:t>task</a:t>
+            </a:r>
+            <a:r>
+              <a:rPr lang="en-GB" sz="2400" dirty="0"/>
+              <a:t> </a:t>
+            </a:r>
+            <a:r>
+              <a:rPr lang="en-GB" sz="2400" dirty="0" smtClean="0"/>
+              <a:t>will </a:t>
+            </a:r>
+            <a:r>
+              <a:rPr lang="en-GB" sz="2400" dirty="0" smtClean="0"/>
+              <a:t>include the components that you just completed, however will use different banknotes and slot-machines.</a:t>
+            </a:r>
+          </a:p>
+          <a:p>
+            <a:r>
+              <a:rPr lang="en-GB" sz="2400" dirty="0" smtClean="0"/>
+              <a:t>It will also include a first part, where you will just be required to complete a task where you attend to each of the task images, one at a time, that will last about 30 minutes. This will allow us to record how your brain responds to each of the task images.</a:t>
+            </a:r>
+          </a:p>
+          <a:p>
+            <a:r>
+              <a:rPr lang="en-GB" sz="2400" dirty="0" smtClean="0"/>
+              <a:t>Following this, you will </a:t>
+            </a:r>
+            <a:r>
+              <a:rPr lang="en-GB" sz="2400" dirty="0" smtClean="0"/>
+              <a:t>learn about </a:t>
+            </a:r>
+            <a:r>
+              <a:rPr lang="en-GB" sz="2400" dirty="0" smtClean="0"/>
+              <a:t>and be quizzed on the chances that each slot machine produces either banknote. This will be the same as it was in what you just completed.</a:t>
+            </a:r>
+          </a:p>
+          <a:p>
+            <a:r>
+              <a:rPr lang="en-GB" sz="2400" dirty="0" smtClean="0"/>
+              <a:t>Then you will complete the gamble task. However, it will consist of 8 rounds instead of 2. </a:t>
+            </a:r>
+          </a:p>
+          <a:p>
+            <a:r>
+              <a:rPr lang="en-GB" sz="2400" dirty="0" smtClean="0"/>
+              <a:t>Your bonus for the MEG task will be </a:t>
+            </a:r>
+            <a:r>
+              <a:rPr lang="en-GB" sz="2400" dirty="0" smtClean="0"/>
+              <a:t>between 0 and £</a:t>
+            </a:r>
+            <a:r>
+              <a:rPr lang="en-GB" sz="2400" dirty="0" smtClean="0"/>
+              <a:t>20</a:t>
+            </a:r>
+            <a:r>
+              <a:rPr lang="en-GB" sz="2400" dirty="0" smtClean="0"/>
+              <a:t>. The </a:t>
+            </a:r>
+            <a:r>
+              <a:rPr lang="en-GB" sz="2400" dirty="0" smtClean="0"/>
+              <a:t>computer will select one decision from each of the 8 rounds. The average of these 8 choices will constitute your bonus. In the MEG task, each attention check question that you answer incorrectly will reduce your bonus by </a:t>
+            </a:r>
+            <a:r>
+              <a:rPr lang="en-GB" sz="2400" dirty="0" smtClean="0"/>
+              <a:t>25</a:t>
+            </a:r>
+            <a:r>
+              <a:rPr lang="en-GB" sz="2400" dirty="0" smtClean="0"/>
+              <a:t>p.</a:t>
+            </a:r>
+          </a:p>
+          <a:p>
+            <a:r>
+              <a:rPr lang="en-GB" sz="2400" dirty="0" smtClean="0"/>
+              <a:t>Please email the experimenter (</a:t>
+            </a:r>
+            <a:r>
+              <a:rPr lang="en-GB" sz="2400" dirty="0" smtClean="0">
+                <a:hlinkClick r:id="rId2"/>
+              </a:rPr>
+              <a:t>e.russek@ucl.ac.uk</a:t>
+            </a:r>
+            <a:r>
+              <a:rPr lang="en-GB" sz="2400" dirty="0" smtClean="0"/>
+              <a:t>) to let him know you have finished the task..</a:t>
+            </a:r>
+            <a:endParaRPr lang="en-GB" sz="2400" dirty="0" smtClean="0"/>
+          </a:p>
+        </p:txBody>
+      </p:sp>
+    </p:spTree>
+    <p:extLst>
+      <p:ext uri="{BB962C8B-B14F-4D97-AF65-F5344CB8AC3E}">
+        <p14:creationId xmlns:p14="http://schemas.microsoft.com/office/powerpoint/2010/main" val="3343696055"/>
+      </p:ext>
+    </p:extLst>
+  </p:cSld>
+  <p:clrMapOvr>
+    <a:masterClrMapping/>
+  </p:clrMapOvr>
+</p:sld>
+</file>
+
+<file path=ppt/slides/slide14.xml><?xml version="1.0" encoding="utf-8"?>
+<p:sld xmlns:a="http://schemas.openxmlformats.org/drawingml/2006/main" xmlns:r="http://schemas.openxmlformats.org/officeDocument/2006/relationships" xmlns:p="http://schemas.openxmlformats.org/presentationml/2006/main">
+  <p:cSld>
+    <p:spTree>
+      <p:nvGrpSpPr>
+        <p:cNvPr id="1" name=""/>
+        <p:cNvGrpSpPr/>
+        <p:nvPr/>
+      </p:nvGrpSpPr>
+      <p:grpSpPr>
+        <a:xfrm>
+          <a:off x="0" y="0"/>
+          <a:ext cx="0" cy="0"/>
+          <a:chOff x="0" y="0"/>
+          <a:chExt cx="0" cy="0"/>
+        </a:xfrm>
+      </p:grpSpPr>
+      <p:sp>
+        <p:nvSpPr>
+          <p:cNvPr id="2" name="Title 1"/>
+          <p:cNvSpPr>
+            <a:spLocks noGrp="1"/>
+          </p:cNvSpPr>
+          <p:nvPr>
+            <p:ph type="title"/>
+          </p:nvPr>
+        </p:nvSpPr>
+        <p:spPr>
+          <a:xfrm>
+            <a:off x="457200" y="111838"/>
+            <a:ext cx="8229600" cy="1143000"/>
+          </a:xfrm>
+        </p:spPr>
+        <p:txBody>
+          <a:bodyPr/>
+          <a:lstStyle/>
+          <a:p>
+            <a:r>
+              <a:rPr lang="en-US" dirty="0" smtClean="0"/>
+              <a:t>Questionnaires</a:t>
+            </a:r>
+            <a:endParaRPr lang="en-US" dirty="0"/>
+          </a:p>
+        </p:txBody>
+      </p:sp>
+      <p:sp>
+        <p:nvSpPr>
+          <p:cNvPr id="3" name="Content Placeholder 2"/>
+          <p:cNvSpPr>
+            <a:spLocks noGrp="1"/>
+          </p:cNvSpPr>
+          <p:nvPr>
+            <p:ph idx="1"/>
+          </p:nvPr>
+        </p:nvSpPr>
+        <p:spPr>
+          <a:xfrm>
+            <a:off x="457200" y="1225758"/>
+            <a:ext cx="8448686" cy="5632241"/>
+          </a:xfrm>
+        </p:spPr>
+        <p:txBody>
+          <a:bodyPr>
+            <a:normAutofit/>
+          </a:bodyPr>
+          <a:lstStyle/>
+          <a:p>
+            <a:r>
+              <a:rPr lang="en-US" sz="2400" dirty="0" smtClean="0"/>
+              <a:t>One of the goals of this study is to relate signals in the brain, observed during decisions, to aspects of emotional state and disposition. We hope that in this way, this research might be useful for better understanding mental health.</a:t>
+            </a:r>
+          </a:p>
+          <a:p>
+            <a:r>
+              <a:rPr lang="en-US" sz="2400" dirty="0" smtClean="0"/>
+              <a:t>In this regard, we would like you to fill out some </a:t>
+            </a:r>
+            <a:r>
+              <a:rPr lang="en-US" sz="2400" dirty="0" err="1" smtClean="0"/>
+              <a:t>questionairres</a:t>
+            </a:r>
+            <a:r>
+              <a:rPr lang="en-US" sz="2400" dirty="0" smtClean="0"/>
+              <a:t>, related to your emotional state and disposition. </a:t>
+            </a:r>
+          </a:p>
+          <a:p>
+            <a:r>
+              <a:rPr lang="en-US" sz="2400" dirty="0" smtClean="0"/>
+              <a:t>You are free to skip any question that you would like (by selecting ‘I would prefer to not answer’). However, we hope you will answer as many questions as you can.</a:t>
+            </a:r>
+          </a:p>
+          <a:p>
+            <a:r>
+              <a:rPr lang="en-US" sz="2400" dirty="0" smtClean="0"/>
+              <a:t>Should any of the questions bring up emotional distress, please write down the number of the MIND helpline listening service: (0300 123 3393 , </a:t>
+            </a:r>
+            <a:r>
+              <a:rPr lang="en-US" sz="2400" dirty="0" smtClean="0">
+                <a:hlinkClick r:id="rId2"/>
+              </a:rPr>
+              <a:t>www.mind.org.uk</a:t>
+            </a:r>
+            <a:r>
+              <a:rPr lang="en-US" sz="2400" dirty="0" smtClean="0"/>
+              <a:t> ) , which can provide support for emotional distress.</a:t>
+            </a:r>
+          </a:p>
+        </p:txBody>
+      </p:sp>
+    </p:spTree>
+    <p:extLst>
+      <p:ext uri="{BB962C8B-B14F-4D97-AF65-F5344CB8AC3E}">
+        <p14:creationId xmlns:p14="http://schemas.microsoft.com/office/powerpoint/2010/main" val="976374083"/>
       </p:ext>
     </p:extLst>
   </p:cSld>
@@ -4044,9 +4364,16 @@
           </a:bodyPr>
           <a:lstStyle/>
           <a:p>
+            <a:pPr marL="0" indent="0">
+              <a:buNone/>
+            </a:pPr>
+            <a:r>
+              <a:rPr lang="en-US" sz="2400" dirty="0" smtClean="0"/>
+              <a:t>In </a:t>
+            </a:r>
             <a:r>
               <a:rPr lang="en-US" sz="2400" dirty="0"/>
-              <a:t>We’ll now provide instructions for the first task.</a:t>
+              <a:t>this task, you will visit a video-game casino.</a:t>
             </a:r>
           </a:p>
           <a:p>
@@ -4123,7 +4450,7 @@
         </p:nvSpPr>
         <p:spPr>
           <a:xfrm>
-            <a:off x="5701613" y="851718"/>
+            <a:off x="5701613" y="888294"/>
             <a:ext cx="1512000" cy="828000"/>
           </a:xfrm>
           <a:prstGeom prst="rect">
@@ -4221,7 +4548,7 @@
           <a:p>
             <a:r>
               <a:rPr lang="en-GB" dirty="0" smtClean="0"/>
-              <a:t>SCISSORS Banknote</a:t>
+              <a:t>BALL Banknote</a:t>
             </a:r>
             <a:endParaRPr lang="en-GB" dirty="0"/>
           </a:p>
@@ -4235,8 +4562,8 @@
         </p:nvSpPr>
         <p:spPr>
           <a:xfrm>
-            <a:off x="7409247" y="537539"/>
-            <a:ext cx="1850065" cy="369332"/>
+            <a:off x="7288668" y="537539"/>
+            <a:ext cx="2088321" cy="369332"/>
           </a:xfrm>
           <a:prstGeom prst="rect">
             <a:avLst/>
@@ -4251,7 +4578,7 @@
           <a:p>
             <a:r>
               <a:rPr lang="en-GB" dirty="0" smtClean="0"/>
-              <a:t>GIRL Banknote</a:t>
+              <a:t>BANANA Banknote</a:t>
             </a:r>
             <a:endParaRPr lang="en-GB" dirty="0"/>
           </a:p>
@@ -4298,9 +4625,342 @@
           </a:p>
         </p:txBody>
       </p:sp>
+      <p:sp>
+        <p:nvSpPr>
+          <p:cNvPr id="29" name="Rectangle 28"/>
+          <p:cNvSpPr/>
+          <p:nvPr/>
+        </p:nvSpPr>
+        <p:spPr>
+          <a:xfrm>
+            <a:off x="5740863" y="3021024"/>
+            <a:ext cx="1440000" cy="1440000"/>
+          </a:xfrm>
+          <a:prstGeom prst="rect">
+            <a:avLst/>
+          </a:prstGeom>
+          <a:solidFill>
+            <a:srgbClr val="5D566A"/>
+          </a:solidFill>
+        </p:spPr>
+        <p:style>
+          <a:lnRef idx="1">
+            <a:schemeClr val="accent1"/>
+          </a:lnRef>
+          <a:fillRef idx="3">
+            <a:schemeClr val="accent1"/>
+          </a:fillRef>
+          <a:effectRef idx="2">
+            <a:schemeClr val="accent1"/>
+          </a:effectRef>
+          <a:fontRef idx="minor">
+            <a:schemeClr val="lt1"/>
+          </a:fontRef>
+        </p:style>
+        <p:txBody>
+          <a:bodyPr rtlCol="0" anchor="ctr"/>
+          <a:lstStyle/>
+          <a:p>
+            <a:pPr algn="ctr"/>
+            <a:endParaRPr lang="en-GB"/>
+          </a:p>
+        </p:txBody>
+      </p:sp>
+      <p:sp>
+        <p:nvSpPr>
+          <p:cNvPr id="32" name="Rectangle 31"/>
+          <p:cNvSpPr/>
+          <p:nvPr/>
+        </p:nvSpPr>
+        <p:spPr>
+          <a:xfrm>
+            <a:off x="7530019" y="3084740"/>
+            <a:ext cx="1440000" cy="1440000"/>
+          </a:xfrm>
+          <a:prstGeom prst="rect">
+            <a:avLst/>
+          </a:prstGeom>
+          <a:solidFill>
+            <a:srgbClr val="5D566A"/>
+          </a:solidFill>
+        </p:spPr>
+        <p:style>
+          <a:lnRef idx="1">
+            <a:schemeClr val="accent1"/>
+          </a:lnRef>
+          <a:fillRef idx="3">
+            <a:schemeClr val="accent1"/>
+          </a:fillRef>
+          <a:effectRef idx="2">
+            <a:schemeClr val="accent1"/>
+          </a:effectRef>
+          <a:fontRef idx="minor">
+            <a:schemeClr val="lt1"/>
+          </a:fontRef>
+        </p:style>
+        <p:txBody>
+          <a:bodyPr rtlCol="0" anchor="ctr"/>
+          <a:lstStyle/>
+          <a:p>
+            <a:pPr algn="ctr"/>
+            <a:endParaRPr lang="en-GB"/>
+          </a:p>
+        </p:txBody>
+      </p:sp>
+      <p:sp>
+        <p:nvSpPr>
+          <p:cNvPr id="35" name="Rectangle 34"/>
+          <p:cNvSpPr/>
+          <p:nvPr/>
+        </p:nvSpPr>
+        <p:spPr>
+          <a:xfrm>
+            <a:off x="5806951" y="5259772"/>
+            <a:ext cx="1440000" cy="1440000"/>
+          </a:xfrm>
+          <a:prstGeom prst="rect">
+            <a:avLst/>
+          </a:prstGeom>
+          <a:solidFill>
+            <a:srgbClr val="5D566A"/>
+          </a:solidFill>
+        </p:spPr>
+        <p:style>
+          <a:lnRef idx="1">
+            <a:schemeClr val="accent1"/>
+          </a:lnRef>
+          <a:fillRef idx="3">
+            <a:schemeClr val="accent1"/>
+          </a:fillRef>
+          <a:effectRef idx="2">
+            <a:schemeClr val="accent1"/>
+          </a:effectRef>
+          <a:fontRef idx="minor">
+            <a:schemeClr val="lt1"/>
+          </a:fontRef>
+        </p:style>
+        <p:txBody>
+          <a:bodyPr rtlCol="0" anchor="ctr"/>
+          <a:lstStyle/>
+          <a:p>
+            <a:pPr algn="ctr"/>
+            <a:endParaRPr lang="en-GB"/>
+          </a:p>
+        </p:txBody>
+      </p:sp>
+      <p:sp>
+        <p:nvSpPr>
+          <p:cNvPr id="38" name="TextBox 37"/>
+          <p:cNvSpPr txBox="1"/>
+          <p:nvPr/>
+        </p:nvSpPr>
+        <p:spPr>
+          <a:xfrm>
+            <a:off x="7530019" y="2430804"/>
+            <a:ext cx="1603171" cy="646331"/>
+          </a:xfrm>
+          <a:prstGeom prst="rect">
+            <a:avLst/>
+          </a:prstGeom>
+          <a:noFill/>
+        </p:spPr>
+        <p:txBody>
+          <a:bodyPr wrap="square" rtlCol="0">
+            <a:spAutoFit/>
+          </a:bodyPr>
+          <a:lstStyle/>
+          <a:p>
+            <a:r>
+              <a:rPr lang="en-GB" dirty="0" smtClean="0"/>
+              <a:t>CAR </a:t>
+            </a:r>
+          </a:p>
+          <a:p>
+            <a:r>
+              <a:rPr lang="en-GB" dirty="0" smtClean="0"/>
+              <a:t>Machine</a:t>
+            </a:r>
+            <a:endParaRPr lang="en-GB" dirty="0"/>
+          </a:p>
+        </p:txBody>
+      </p:sp>
+      <p:sp>
+        <p:nvSpPr>
+          <p:cNvPr id="39" name="TextBox 38"/>
+          <p:cNvSpPr txBox="1"/>
+          <p:nvPr/>
+        </p:nvSpPr>
+        <p:spPr>
+          <a:xfrm>
+            <a:off x="5731266" y="2371046"/>
+            <a:ext cx="1603171" cy="646331"/>
+          </a:xfrm>
+          <a:prstGeom prst="rect">
+            <a:avLst/>
+          </a:prstGeom>
+          <a:noFill/>
+        </p:spPr>
+        <p:txBody>
+          <a:bodyPr wrap="square" rtlCol="0">
+            <a:spAutoFit/>
+          </a:bodyPr>
+          <a:lstStyle/>
+          <a:p>
+            <a:r>
+              <a:rPr lang="en-GB" dirty="0" smtClean="0"/>
+              <a:t>BICYCLE </a:t>
+            </a:r>
+          </a:p>
+          <a:p>
+            <a:r>
+              <a:rPr lang="en-GB" dirty="0" smtClean="0"/>
+              <a:t>Machine</a:t>
+            </a:r>
+            <a:endParaRPr lang="en-GB" dirty="0"/>
+          </a:p>
+        </p:txBody>
+      </p:sp>
+      <p:sp>
+        <p:nvSpPr>
+          <p:cNvPr id="40" name="TextBox 39"/>
+          <p:cNvSpPr txBox="1"/>
+          <p:nvPr/>
+        </p:nvSpPr>
+        <p:spPr>
+          <a:xfrm>
+            <a:off x="5786020" y="4598201"/>
+            <a:ext cx="1603171" cy="646331"/>
+          </a:xfrm>
+          <a:prstGeom prst="rect">
+            <a:avLst/>
+          </a:prstGeom>
+          <a:noFill/>
+        </p:spPr>
+        <p:txBody>
+          <a:bodyPr wrap="square" rtlCol="0">
+            <a:spAutoFit/>
+          </a:bodyPr>
+          <a:lstStyle/>
+          <a:p>
+            <a:r>
+              <a:rPr lang="en-GB" dirty="0" smtClean="0"/>
+              <a:t>ELEPHANT </a:t>
+            </a:r>
+          </a:p>
+          <a:p>
+            <a:r>
+              <a:rPr lang="en-GB" dirty="0" smtClean="0"/>
+              <a:t>Machine</a:t>
+            </a:r>
+            <a:endParaRPr lang="en-GB" dirty="0"/>
+          </a:p>
+        </p:txBody>
+      </p:sp>
+      <p:sp>
+        <p:nvSpPr>
+          <p:cNvPr id="41" name="TextBox 40"/>
+          <p:cNvSpPr txBox="1"/>
+          <p:nvPr/>
+        </p:nvSpPr>
+        <p:spPr>
+          <a:xfrm>
+            <a:off x="7485233" y="4620196"/>
+            <a:ext cx="1603171" cy="646331"/>
+          </a:xfrm>
+          <a:prstGeom prst="rect">
+            <a:avLst/>
+          </a:prstGeom>
+          <a:noFill/>
+        </p:spPr>
+        <p:txBody>
+          <a:bodyPr wrap="square" rtlCol="0">
+            <a:spAutoFit/>
+          </a:bodyPr>
+          <a:lstStyle/>
+          <a:p>
+            <a:r>
+              <a:rPr lang="en-GB" dirty="0" smtClean="0"/>
+              <a:t>SNEAKERS </a:t>
+            </a:r>
+          </a:p>
+          <a:p>
+            <a:r>
+              <a:rPr lang="en-GB" dirty="0" smtClean="0"/>
+              <a:t>Machine</a:t>
+            </a:r>
+            <a:endParaRPr lang="en-GB" dirty="0"/>
+          </a:p>
+        </p:txBody>
+      </p:sp>
+      <p:sp>
+        <p:nvSpPr>
+          <p:cNvPr id="7" name="Rectangle 6"/>
+          <p:cNvSpPr/>
+          <p:nvPr/>
+        </p:nvSpPr>
+        <p:spPr>
+          <a:xfrm>
+            <a:off x="5638290" y="1933126"/>
+            <a:ext cx="1805687" cy="369332"/>
+          </a:xfrm>
+          <a:prstGeom prst="rect">
+            <a:avLst/>
+          </a:prstGeom>
+        </p:spPr>
+        <p:txBody>
+          <a:bodyPr wrap="none">
+            <a:spAutoFit/>
+          </a:bodyPr>
+          <a:lstStyle/>
+          <a:p>
+            <a:r>
+              <a:rPr lang="en-GB" b="1" dirty="0" smtClean="0"/>
+              <a:t>SLOT MACHINES</a:t>
+            </a:r>
+            <a:r>
+              <a:rPr lang="en-GB" dirty="0" smtClean="0"/>
+              <a:t>:</a:t>
+            </a:r>
+            <a:endParaRPr lang="en-GB" dirty="0"/>
+          </a:p>
+        </p:txBody>
+      </p:sp>
+      <p:sp>
+        <p:nvSpPr>
+          <p:cNvPr id="42" name="Rectangle 41"/>
+          <p:cNvSpPr/>
+          <p:nvPr/>
+        </p:nvSpPr>
+        <p:spPr>
+          <a:xfrm>
+            <a:off x="5415189" y="243543"/>
+            <a:ext cx="1428661" cy="369332"/>
+          </a:xfrm>
+          <a:prstGeom prst="rect">
+            <a:avLst/>
+          </a:prstGeom>
+        </p:spPr>
+        <p:txBody>
+          <a:bodyPr wrap="none">
+            <a:spAutoFit/>
+          </a:bodyPr>
+          <a:lstStyle/>
+          <a:p>
+            <a:r>
+              <a:rPr lang="en-GB" b="1" dirty="0" smtClean="0"/>
+              <a:t>BANKNOTES</a:t>
+            </a:r>
+            <a:r>
+              <a:rPr lang="en-GB" dirty="0" smtClean="0"/>
+              <a:t>:</a:t>
+            </a:r>
+            <a:endParaRPr lang="en-GB" dirty="0"/>
+          </a:p>
+        </p:txBody>
+      </p:sp>
       <p:pic>
         <p:nvPicPr>
-          <p:cNvPr id="28" name="Picture 27"/>
+          <p:cNvPr id="4" name="Picture 3"/>
           <p:cNvPicPr>
             <a:picLocks noChangeAspect="1"/>
           </p:cNvPicPr>
@@ -4320,58 +4980,17 @@
         </p:blipFill>
         <p:spPr>
           <a:xfrm>
-            <a:off x="7663705" y="5429284"/>
-            <a:ext cx="1082913" cy="1082913"/>
+            <a:off x="5795881" y="971019"/>
+            <a:ext cx="673458" cy="673458"/>
           </a:xfrm>
           <a:prstGeom prst="rect">
             <a:avLst/>
           </a:prstGeom>
         </p:spPr>
       </p:pic>
-      <p:sp>
-        <p:nvSpPr>
-          <p:cNvPr id="29" name="Rectangle 28"/>
-          <p:cNvSpPr/>
-          <p:nvPr/>
-        </p:nvSpPr>
-        <p:spPr>
-          <a:xfrm>
-            <a:off x="5740863" y="3021024"/>
-            <a:ext cx="1440000" cy="1440000"/>
-          </a:xfrm>
-          <a:prstGeom prst="rect">
-            <a:avLst/>
-          </a:prstGeom>
-          <a:solidFill>
-            <a:srgbClr val="5D566A"/>
-          </a:solidFill>
-        </p:spPr>
-        <p:style>
-          <a:lnRef idx="1">
-            <a:schemeClr val="accent1"/>
-          </a:lnRef>
-          <a:fillRef idx="3">
-            <a:schemeClr val="accent1"/>
-          </a:fillRef>
-          <a:effectRef idx="2">
-            <a:schemeClr val="accent1"/>
-          </a:effectRef>
-          <a:fontRef idx="minor">
-            <a:schemeClr val="lt1"/>
-          </a:fontRef>
-        </p:style>
-        <p:txBody>
-          <a:bodyPr rtlCol="0" anchor="ctr"/>
-          <a:lstStyle/>
-          <a:p>
-            <a:pPr algn="ctr"/>
-            <a:endParaRPr lang="en-GB"/>
-          </a:p>
-        </p:txBody>
-      </p:sp>
       <p:pic>
         <p:nvPicPr>
-          <p:cNvPr id="31" name="Picture 30"/>
+          <p:cNvPr id="5" name="Picture 4"/>
           <p:cNvPicPr>
             <a:picLocks noChangeAspect="1"/>
           </p:cNvPicPr>
@@ -4391,58 +5010,17 @@
         </p:blipFill>
         <p:spPr>
           <a:xfrm>
-            <a:off x="5892735" y="3210691"/>
-            <a:ext cx="1080000" cy="1080000"/>
+            <a:off x="7619012" y="978905"/>
+            <a:ext cx="659356" cy="659356"/>
           </a:xfrm>
           <a:prstGeom prst="rect">
             <a:avLst/>
           </a:prstGeom>
         </p:spPr>
       </p:pic>
-      <p:sp>
-        <p:nvSpPr>
-          <p:cNvPr id="32" name="Rectangle 31"/>
-          <p:cNvSpPr/>
-          <p:nvPr/>
-        </p:nvSpPr>
-        <p:spPr>
-          <a:xfrm>
-            <a:off x="7530019" y="3084740"/>
-            <a:ext cx="1440000" cy="1440000"/>
-          </a:xfrm>
-          <a:prstGeom prst="rect">
-            <a:avLst/>
-          </a:prstGeom>
-          <a:solidFill>
-            <a:srgbClr val="5D566A"/>
-          </a:solidFill>
-        </p:spPr>
-        <p:style>
-          <a:lnRef idx="1">
-            <a:schemeClr val="accent1"/>
-          </a:lnRef>
-          <a:fillRef idx="3">
-            <a:schemeClr val="accent1"/>
-          </a:fillRef>
-          <a:effectRef idx="2">
-            <a:schemeClr val="accent1"/>
-          </a:effectRef>
-          <a:fontRef idx="minor">
-            <a:schemeClr val="lt1"/>
-          </a:fontRef>
-        </p:style>
-        <p:txBody>
-          <a:bodyPr rtlCol="0" anchor="ctr"/>
-          <a:lstStyle/>
-          <a:p>
-            <a:pPr algn="ctr"/>
-            <a:endParaRPr lang="en-GB"/>
-          </a:p>
-        </p:txBody>
-      </p:sp>
       <p:pic>
         <p:nvPicPr>
-          <p:cNvPr id="34" name="Picture 33"/>
+          <p:cNvPr id="6" name="Picture 5"/>
           <p:cNvPicPr>
             <a:picLocks noChangeAspect="1"/>
           </p:cNvPicPr>
@@ -4462,58 +5040,17 @@
         </p:blipFill>
         <p:spPr>
           <a:xfrm>
-            <a:off x="7713713" y="3295022"/>
-            <a:ext cx="1080000" cy="1080000"/>
+            <a:off x="5855173" y="3136142"/>
+            <a:ext cx="1199585" cy="1199585"/>
           </a:xfrm>
           <a:prstGeom prst="rect">
             <a:avLst/>
           </a:prstGeom>
         </p:spPr>
       </p:pic>
-      <p:sp>
-        <p:nvSpPr>
-          <p:cNvPr id="35" name="Rectangle 34"/>
-          <p:cNvSpPr/>
-          <p:nvPr/>
-        </p:nvSpPr>
-        <p:spPr>
-          <a:xfrm>
-            <a:off x="5806951" y="5259772"/>
-            <a:ext cx="1440000" cy="1440000"/>
-          </a:xfrm>
-          <a:prstGeom prst="rect">
-            <a:avLst/>
-          </a:prstGeom>
-          <a:solidFill>
-            <a:srgbClr val="5D566A"/>
-          </a:solidFill>
-        </p:spPr>
-        <p:style>
-          <a:lnRef idx="1">
-            <a:schemeClr val="accent1"/>
-          </a:lnRef>
-          <a:fillRef idx="3">
-            <a:schemeClr val="accent1"/>
-          </a:fillRef>
-          <a:effectRef idx="2">
-            <a:schemeClr val="accent1"/>
-          </a:effectRef>
-          <a:fontRef idx="minor">
-            <a:schemeClr val="lt1"/>
-          </a:fontRef>
-        </p:style>
-        <p:txBody>
-          <a:bodyPr rtlCol="0" anchor="ctr"/>
-          <a:lstStyle/>
-          <a:p>
-            <a:pPr algn="ctr"/>
-            <a:endParaRPr lang="en-GB"/>
-          </a:p>
-        </p:txBody>
-      </p:sp>
       <p:pic>
         <p:nvPicPr>
-          <p:cNvPr id="37" name="Picture 36"/>
+          <p:cNvPr id="8" name="Picture 7"/>
           <p:cNvPicPr>
             <a:picLocks noChangeAspect="1"/>
           </p:cNvPicPr>
@@ -4533,227 +5070,17 @@
         </p:blipFill>
         <p:spPr>
           <a:xfrm>
-            <a:off x="5986951" y="5484222"/>
-            <a:ext cx="1080000" cy="1080000"/>
+            <a:off x="7646473" y="3152203"/>
+            <a:ext cx="1257694" cy="1257694"/>
           </a:xfrm>
           <a:prstGeom prst="rect">
             <a:avLst/>
           </a:prstGeom>
         </p:spPr>
       </p:pic>
-      <p:sp>
-        <p:nvSpPr>
-          <p:cNvPr id="38" name="TextBox 37"/>
-          <p:cNvSpPr txBox="1"/>
-          <p:nvPr/>
-        </p:nvSpPr>
-        <p:spPr>
-          <a:xfrm>
-            <a:off x="7530019" y="2455188"/>
-            <a:ext cx="1603171" cy="646331"/>
-          </a:xfrm>
-          <a:prstGeom prst="rect">
-            <a:avLst/>
-          </a:prstGeom>
-          <a:noFill/>
-        </p:spPr>
-        <p:txBody>
-          <a:bodyPr wrap="square" rtlCol="0">
-            <a:spAutoFit/>
-          </a:bodyPr>
-          <a:lstStyle/>
-          <a:p>
-            <a:r>
-              <a:rPr lang="en-GB" dirty="0" smtClean="0"/>
-              <a:t>HAND </a:t>
-            </a:r>
-          </a:p>
-          <a:p>
-            <a:r>
-              <a:rPr lang="en-GB" dirty="0" smtClean="0"/>
-              <a:t>Machine</a:t>
-            </a:r>
-            <a:endParaRPr lang="en-GB" dirty="0"/>
-          </a:p>
-        </p:txBody>
-      </p:sp>
-      <p:sp>
-        <p:nvSpPr>
-          <p:cNvPr id="39" name="TextBox 38"/>
-          <p:cNvSpPr txBox="1"/>
-          <p:nvPr/>
-        </p:nvSpPr>
-        <p:spPr>
-          <a:xfrm>
-            <a:off x="5731266" y="2371046"/>
-            <a:ext cx="1603171" cy="646331"/>
-          </a:xfrm>
-          <a:prstGeom prst="rect">
-            <a:avLst/>
-          </a:prstGeom>
-          <a:noFill/>
-        </p:spPr>
-        <p:txBody>
-          <a:bodyPr wrap="square" rtlCol="0">
-            <a:spAutoFit/>
-          </a:bodyPr>
-          <a:lstStyle/>
-          <a:p>
-            <a:r>
-              <a:rPr lang="en-GB" dirty="0" smtClean="0"/>
-              <a:t>BUTTERFLY </a:t>
-            </a:r>
-          </a:p>
-          <a:p>
-            <a:r>
-              <a:rPr lang="en-GB" dirty="0" smtClean="0"/>
-              <a:t>Machine</a:t>
-            </a:r>
-            <a:endParaRPr lang="en-GB" dirty="0"/>
-          </a:p>
-        </p:txBody>
-      </p:sp>
-      <p:sp>
-        <p:nvSpPr>
-          <p:cNvPr id="40" name="TextBox 39"/>
-          <p:cNvSpPr txBox="1"/>
-          <p:nvPr/>
-        </p:nvSpPr>
-        <p:spPr>
-          <a:xfrm>
-            <a:off x="5786020" y="4598201"/>
-            <a:ext cx="1603171" cy="646331"/>
-          </a:xfrm>
-          <a:prstGeom prst="rect">
-            <a:avLst/>
-          </a:prstGeom>
-          <a:noFill/>
-        </p:spPr>
-        <p:txBody>
-          <a:bodyPr wrap="square" rtlCol="0">
-            <a:spAutoFit/>
-          </a:bodyPr>
-          <a:lstStyle/>
-          <a:p>
-            <a:r>
-              <a:rPr lang="en-GB" dirty="0" smtClean="0"/>
-              <a:t>ZEBRA </a:t>
-            </a:r>
-          </a:p>
-          <a:p>
-            <a:r>
-              <a:rPr lang="en-GB" dirty="0" smtClean="0"/>
-              <a:t>Machine</a:t>
-            </a:r>
-            <a:endParaRPr lang="en-GB" dirty="0"/>
-          </a:p>
-        </p:txBody>
-      </p:sp>
-      <p:sp>
-        <p:nvSpPr>
-          <p:cNvPr id="41" name="TextBox 40"/>
-          <p:cNvSpPr txBox="1"/>
-          <p:nvPr/>
-        </p:nvSpPr>
-        <p:spPr>
-          <a:xfrm>
-            <a:off x="7485233" y="4620196"/>
-            <a:ext cx="1603171" cy="646331"/>
-          </a:xfrm>
-          <a:prstGeom prst="rect">
-            <a:avLst/>
-          </a:prstGeom>
-          <a:noFill/>
-        </p:spPr>
-        <p:txBody>
-          <a:bodyPr wrap="square" rtlCol="0">
-            <a:spAutoFit/>
-          </a:bodyPr>
-          <a:lstStyle/>
-          <a:p>
-            <a:r>
-              <a:rPr lang="en-GB" dirty="0" smtClean="0"/>
-              <a:t>PEPPER </a:t>
-            </a:r>
-          </a:p>
-          <a:p>
-            <a:r>
-              <a:rPr lang="en-GB" dirty="0" smtClean="0"/>
-              <a:t>Machine</a:t>
-            </a:r>
-            <a:endParaRPr lang="en-GB" dirty="0"/>
-          </a:p>
-        </p:txBody>
-      </p:sp>
-      <p:sp>
-        <p:nvSpPr>
-          <p:cNvPr id="7" name="Rectangle 6"/>
-          <p:cNvSpPr/>
-          <p:nvPr/>
-        </p:nvSpPr>
-        <p:spPr>
-          <a:xfrm>
-            <a:off x="5638290" y="1933126"/>
-            <a:ext cx="1805687" cy="369332"/>
-          </a:xfrm>
-          <a:prstGeom prst="rect">
-            <a:avLst/>
-          </a:prstGeom>
-        </p:spPr>
-        <p:txBody>
-          <a:bodyPr wrap="none">
-            <a:spAutoFit/>
-          </a:bodyPr>
-          <a:lstStyle/>
-          <a:p>
-            <a:r>
-              <a:rPr lang="en-GB" b="1" dirty="0" smtClean="0"/>
-              <a:t>SLOT MACHINES</a:t>
-            </a:r>
-            <a:r>
-              <a:rPr lang="en-GB" dirty="0" smtClean="0"/>
-              <a:t>:</a:t>
-            </a:r>
-            <a:endParaRPr lang="en-GB" dirty="0"/>
-          </a:p>
-        </p:txBody>
-      </p:sp>
-      <p:sp>
-        <p:nvSpPr>
-          <p:cNvPr id="42" name="Rectangle 41"/>
-          <p:cNvSpPr/>
-          <p:nvPr/>
-        </p:nvSpPr>
-        <p:spPr>
-          <a:xfrm>
-            <a:off x="5415189" y="243543"/>
-            <a:ext cx="1428661" cy="369332"/>
-          </a:xfrm>
-          <a:prstGeom prst="rect">
-            <a:avLst/>
-          </a:prstGeom>
-        </p:spPr>
-        <p:txBody>
-          <a:bodyPr wrap="none">
-            <a:spAutoFit/>
-          </a:bodyPr>
-          <a:lstStyle/>
-          <a:p>
-            <a:r>
-              <a:rPr lang="en-GB" b="1" dirty="0" smtClean="0"/>
-              <a:t>BANKNOTES</a:t>
-            </a:r>
-            <a:r>
-              <a:rPr lang="en-GB" dirty="0" smtClean="0"/>
-              <a:t>:</a:t>
-            </a:r>
-            <a:endParaRPr lang="en-GB" dirty="0"/>
-          </a:p>
-        </p:txBody>
-      </p:sp>
       <p:pic>
         <p:nvPicPr>
-          <p:cNvPr id="30" name="Picture 29"/>
+          <p:cNvPr id="9" name="Picture 8"/>
           <p:cNvPicPr>
             <a:picLocks noChangeAspect="1"/>
           </p:cNvPicPr>
@@ -4773,8 +5100,8 @@
         </p:blipFill>
         <p:spPr>
           <a:xfrm>
-            <a:off x="5824706" y="928496"/>
-            <a:ext cx="684000" cy="684000"/>
+            <a:off x="5935244" y="5381709"/>
+            <a:ext cx="1211778" cy="1211778"/>
           </a:xfrm>
           <a:prstGeom prst="rect">
             <a:avLst/>
@@ -4783,7 +5110,7 @@
       </p:pic>
       <p:pic>
         <p:nvPicPr>
-          <p:cNvPr id="25" name="Picture 24"/>
+          <p:cNvPr id="10" name="Picture 9"/>
           <p:cNvPicPr>
             <a:picLocks noChangeAspect="1"/>
           </p:cNvPicPr>
@@ -4803,8 +5130,8 @@
         </p:blipFill>
         <p:spPr>
           <a:xfrm>
-            <a:off x="7636600" y="958039"/>
-            <a:ext cx="684000" cy="684000"/>
+            <a:off x="7574986" y="5357325"/>
+            <a:ext cx="1251616" cy="1251616"/>
           </a:xfrm>
           <a:prstGeom prst="rect">
             <a:avLst/>
@@ -4824,7 +5151,7 @@
   <p:timing>
     <p:tnLst>
       <p:par>
-        <p:cTn id="1" dur="indefinite" restart="never" nodeType="tmRoot"/>
+        <p:cTn xmlns:p14="http://schemas.microsoft.com/office/powerpoint/2010/main" id="1" dur="indefinite" restart="never" nodeType="tmRoot"/>
       </p:par>
     </p:tnLst>
   </p:timing>
@@ -4858,8 +5185,8 @@
         </p:nvSpPr>
         <p:spPr>
           <a:xfrm>
-            <a:off x="408561" y="79091"/>
-            <a:ext cx="8550613" cy="6810037"/>
+            <a:off x="408561" y="452538"/>
+            <a:ext cx="8550613" cy="5814563"/>
           </a:xfrm>
           <a:prstGeom prst="rect">
             <a:avLst/>
@@ -5008,103 +5335,78 @@
           </a:lstStyle>
           <a:p>
             <a:r>
-              <a:rPr lang="en-US" sz="2400" dirty="0" smtClean="0"/>
+              <a:rPr lang="en-US" sz="1800" dirty="0" smtClean="0"/>
               <a:t>Each slot machine can lead to either of the two banknotes, however, the </a:t>
             </a:r>
             <a:r>
-              <a:rPr lang="en-US" sz="2400" b="1" dirty="0" smtClean="0"/>
+              <a:rPr lang="en-US" sz="1800" b="1" dirty="0" smtClean="0"/>
               <a:t>chances </a:t>
             </a:r>
             <a:r>
-              <a:rPr lang="en-US" sz="2400" dirty="0" smtClean="0"/>
+              <a:rPr lang="en-US" sz="1800" dirty="0" smtClean="0"/>
               <a:t>that a given </a:t>
             </a:r>
             <a:r>
-              <a:rPr lang="en-US" sz="2400" b="1" dirty="0" smtClean="0"/>
+              <a:rPr lang="en-US" sz="1800" b="1" dirty="0" smtClean="0"/>
               <a:t>slot-machine</a:t>
             </a:r>
             <a:r>
-              <a:rPr lang="en-US" sz="2400" dirty="0" smtClean="0"/>
+              <a:rPr lang="en-US" sz="1800" dirty="0" smtClean="0"/>
               <a:t> provides a given </a:t>
             </a:r>
             <a:r>
-              <a:rPr lang="en-US" sz="2400" b="1" dirty="0" smtClean="0"/>
+              <a:rPr lang="en-US" sz="1800" b="1" dirty="0" smtClean="0"/>
               <a:t>banknote</a:t>
             </a:r>
             <a:r>
-              <a:rPr lang="en-US" sz="2400" dirty="0" smtClean="0"/>
+              <a:rPr lang="en-US" sz="1800" dirty="0" smtClean="0"/>
               <a:t> are different for the different slot machines.</a:t>
             </a:r>
           </a:p>
           <a:p>
             <a:r>
-              <a:rPr lang="en-US" sz="2400" dirty="0"/>
-              <a:t>The purpose of this </a:t>
-            </a:r>
-            <a:r>
-              <a:rPr lang="en-US" sz="2400" dirty="0" smtClean="0"/>
-              <a:t>first task </a:t>
-            </a:r>
-            <a:r>
-              <a:rPr lang="en-US" sz="2400" dirty="0"/>
+              <a:rPr lang="en-US" sz="1800" dirty="0"/>
+              <a:t>The purpose of </a:t>
+            </a:r>
+            <a:r>
+              <a:rPr lang="en-US" sz="1800" dirty="0" smtClean="0"/>
+              <a:t>the first task </a:t>
+            </a:r>
+            <a:r>
+              <a:rPr lang="en-US" sz="1800" dirty="0"/>
               <a:t>is for you to learn </a:t>
             </a:r>
             <a:r>
-              <a:rPr lang="en-US" sz="2400" dirty="0" smtClean="0"/>
+              <a:rPr lang="en-US" sz="1800" dirty="0" smtClean="0"/>
               <a:t>the chances each slot machine provides either of the banknotes.</a:t>
             </a:r>
-            <a:endParaRPr lang="en-US" sz="2400" dirty="0"/>
-          </a:p>
-          <a:p>
-            <a:r>
-              <a:rPr lang="en-US" sz="2400" dirty="0" smtClean="0"/>
-              <a:t>On the next slide we will show you a schematic that displays the </a:t>
-            </a:r>
-            <a:r>
-              <a:rPr lang="en-US" sz="2400" b="1" dirty="0" smtClean="0"/>
-              <a:t>chances</a:t>
-            </a:r>
-            <a:r>
-              <a:rPr lang="en-US" sz="2400" dirty="0" smtClean="0"/>
-              <a:t> of </a:t>
-            </a:r>
-            <a:r>
-              <a:rPr lang="en-US" sz="2400" b="1" dirty="0" smtClean="0"/>
-              <a:t>each</a:t>
-            </a:r>
-            <a:r>
-              <a:rPr lang="en-US" sz="2400" dirty="0" smtClean="0"/>
-              <a:t> </a:t>
-            </a:r>
-            <a:r>
-              <a:rPr lang="en-US" sz="2400" b="1" dirty="0" smtClean="0"/>
-              <a:t>slot machine providing either banknote</a:t>
-            </a:r>
-            <a:r>
-              <a:rPr lang="en-US" sz="2400" dirty="0" smtClean="0"/>
-              <a:t>. Please study this schematic.</a:t>
-            </a:r>
-          </a:p>
-          <a:p>
-            <a:r>
-              <a:rPr lang="en-US" sz="2400" dirty="0" smtClean="0"/>
-              <a:t>You will then take a quiz in which you will be shown a given slot machine and a given banknote. You will be required to press a number key to indicate the chances that that slot machine would provide that banknote.</a:t>
-            </a:r>
-          </a:p>
-          <a:p>
-            <a:r>
-              <a:rPr lang="en-US" sz="2400" dirty="0" smtClean="0"/>
-              <a:t>We will repeat this quiz </a:t>
-            </a:r>
-            <a:r>
-              <a:rPr lang="en-US" sz="2400" dirty="0" smtClean="0"/>
-              <a:t>12 </a:t>
-            </a:r>
-            <a:r>
-              <a:rPr lang="en-US" sz="2400" dirty="0" smtClean="0"/>
-              <a:t>times so that you will be able to fully learn the chance of each slot machine providing either banknote.  Your bonus for this task will be proportional to the total number of quiz questions you answer correctly. Please try to get as many questions correct as you can.</a:t>
-            </a:r>
-            <a:endParaRPr lang="en-US" sz="2400" dirty="0"/>
+            <a:endParaRPr lang="en-US" sz="1800" dirty="0"/>
+          </a:p>
+          <a:p>
+            <a:r>
+              <a:rPr lang="en-US" sz="1800" dirty="0" smtClean="0"/>
+              <a:t>In the upcoming task, for each slot-machine, you’ll be exposed to the chances that a slot-machine leads to either banknote. Then you’ll have the chance to play that slot-machine a number of times. There will be some attention check questions interspersed here. Your correctness on these will contribute toward your bonus.</a:t>
+            </a:r>
+          </a:p>
+          <a:p>
+            <a:r>
+              <a:rPr lang="en-US" sz="1800" dirty="0" smtClean="0"/>
+              <a:t>After seeing the outcome chances for each slot-machine and playing each slot-machine, you’ll be asked a number of quiz questions about the chances each slot-machine leads to each outcome. Your correctness on these quiz questions will contribute toward your bonus.</a:t>
+            </a:r>
+          </a:p>
+          <a:p>
+            <a:r>
+              <a:rPr lang="en-US" sz="1800" dirty="0" smtClean="0"/>
+              <a:t>We will complete </a:t>
+            </a:r>
+            <a:r>
+              <a:rPr lang="en-US" sz="1800" dirty="0" smtClean="0"/>
+              <a:t>4rounds </a:t>
+            </a:r>
+            <a:r>
+              <a:rPr lang="en-US" sz="1800" dirty="0" smtClean="0"/>
+              <a:t>of this. Your bonus as well as your ability to participate in the MEG task will depend on the total number of quiz questions you answer correctly as well as your answers to attention check questions. Please try to get as many questions correct as you can. </a:t>
+            </a:r>
           </a:p>
         </p:txBody>
       </p:sp>
@@ -5121,7 +5423,7 @@
   <p:timing>
     <p:tnLst>
       <p:par>
-        <p:cTn id="1" dur="indefinite" restart="never" nodeType="tmRoot"/>
+        <p:cTn xmlns:p14="http://schemas.microsoft.com/office/powerpoint/2010/main" id="1" dur="indefinite" restart="never" nodeType="tmRoot"/>
       </p:par>
     </p:tnLst>
   </p:timing>
@@ -6595,7 +6897,15 @@
             <a:pPr algn="just"/>
             <a:r>
               <a:rPr lang="en-GB" sz="2200" dirty="0"/>
-              <a:t>Great work! We’ll now continue to the second task. </a:t>
+              <a:t>Great work! We’ll now continue to the </a:t>
+            </a:r>
+            <a:r>
+              <a:rPr lang="en-GB" sz="2200" dirty="0" smtClean="0"/>
+              <a:t>main </a:t>
+            </a:r>
+            <a:r>
+              <a:rPr lang="en-GB" sz="2200" dirty="0"/>
+              <a:t>task. </a:t>
             </a:r>
             <a:endParaRPr lang="en-GB" sz="2200" dirty="0" smtClean="0"/>
           </a:p>
@@ -6839,7 +7149,7 @@
           <a:p>
             <a:r>
               <a:rPr lang="en-GB" dirty="0" smtClean="0"/>
-              <a:t>SCISSORS Banknote</a:t>
+              <a:t>BANANA Banknote</a:t>
             </a:r>
             <a:endParaRPr lang="en-GB" dirty="0"/>
           </a:p>
@@ -6869,15 +7179,153 @@
           <a:p>
             <a:r>
               <a:rPr lang="en-GB" dirty="0" smtClean="0"/>
-              <a:t>GIRL Banknote</a:t>
+              <a:t>BALL Banknote</a:t>
             </a:r>
             <a:endParaRPr lang="en-GB" dirty="0"/>
+          </a:p>
+        </p:txBody>
+      </p:sp>
+      <p:sp>
+        <p:nvSpPr>
+          <p:cNvPr id="12" name="Rectangle 11"/>
+          <p:cNvSpPr/>
+          <p:nvPr/>
+        </p:nvSpPr>
+        <p:spPr>
+          <a:xfrm>
+            <a:off x="5824494" y="3824829"/>
+            <a:ext cx="1512000" cy="828000"/>
+          </a:xfrm>
+          <a:prstGeom prst="rect">
+            <a:avLst/>
+          </a:prstGeom>
+          <a:solidFill>
+            <a:srgbClr val="635C52"/>
+          </a:solidFill>
+        </p:spPr>
+        <p:style>
+          <a:lnRef idx="1">
+            <a:schemeClr val="accent1"/>
+          </a:lnRef>
+          <a:fillRef idx="3">
+            <a:schemeClr val="accent1"/>
+          </a:fillRef>
+          <a:effectRef idx="2">
+            <a:schemeClr val="accent1"/>
+          </a:effectRef>
+          <a:fontRef idx="minor">
+            <a:schemeClr val="lt1"/>
+          </a:fontRef>
+        </p:style>
+        <p:txBody>
+          <a:bodyPr rtlCol="0" anchor="ctr"/>
+          <a:lstStyle/>
+          <a:p>
+            <a:pPr algn="ctr"/>
+            <a:endParaRPr lang="en-GB"/>
+          </a:p>
+        </p:txBody>
+      </p:sp>
+      <p:sp>
+        <p:nvSpPr>
+          <p:cNvPr id="14" name="TextBox 13"/>
+          <p:cNvSpPr txBox="1"/>
+          <p:nvPr/>
+        </p:nvSpPr>
+        <p:spPr>
+          <a:xfrm>
+            <a:off x="6708779" y="4059889"/>
+            <a:ext cx="577929" cy="369332"/>
+          </a:xfrm>
+          <a:prstGeom prst="rect">
+            <a:avLst/>
+          </a:prstGeom>
+          <a:noFill/>
+        </p:spPr>
+        <p:txBody>
+          <a:bodyPr wrap="square" rtlCol="0">
+            <a:spAutoFit/>
+          </a:bodyPr>
+          <a:lstStyle/>
+          <a:p>
+            <a:r>
+              <a:rPr lang="en-GB" dirty="0" smtClean="0">
+                <a:solidFill>
+                  <a:srgbClr val="FFFF00"/>
+                </a:solidFill>
+              </a:rPr>
+              <a:t>XX</a:t>
+            </a:r>
+            <a:endParaRPr lang="en-GB" dirty="0">
+              <a:solidFill>
+                <a:srgbClr val="FFFF00"/>
+              </a:solidFill>
+            </a:endParaRPr>
+          </a:p>
+        </p:txBody>
+      </p:sp>
+      <p:sp>
+        <p:nvSpPr>
+          <p:cNvPr id="15" name="TextBox 14"/>
+          <p:cNvSpPr txBox="1"/>
+          <p:nvPr/>
+        </p:nvSpPr>
+        <p:spPr>
+          <a:xfrm>
+            <a:off x="5698872" y="3466570"/>
+            <a:ext cx="2335656" cy="369332"/>
+          </a:xfrm>
+          <a:prstGeom prst="rect">
+            <a:avLst/>
+          </a:prstGeom>
+          <a:noFill/>
+        </p:spPr>
+        <p:txBody>
+          <a:bodyPr wrap="square" rtlCol="0">
+            <a:spAutoFit/>
+          </a:bodyPr>
+          <a:lstStyle/>
+          <a:p>
+            <a:r>
+              <a:rPr lang="en-GB" dirty="0" smtClean="0"/>
+              <a:t>UMBRELLA Banknote</a:t>
+            </a:r>
+            <a:endParaRPr lang="en-GB" dirty="0"/>
+          </a:p>
+        </p:txBody>
+      </p:sp>
+      <p:sp>
+        <p:nvSpPr>
+          <p:cNvPr id="16" name="TextBox 15"/>
+          <p:cNvSpPr txBox="1"/>
+          <p:nvPr/>
+        </p:nvSpPr>
+        <p:spPr>
+          <a:xfrm>
+            <a:off x="5651428" y="546881"/>
+            <a:ext cx="2761052" cy="369332"/>
+          </a:xfrm>
+          <a:prstGeom prst="rect">
+            <a:avLst/>
+          </a:prstGeom>
+          <a:noFill/>
+        </p:spPr>
+        <p:txBody>
+          <a:bodyPr wrap="square" rtlCol="0">
+            <a:spAutoFit/>
+          </a:bodyPr>
+          <a:lstStyle/>
+          <a:p>
+            <a:r>
+              <a:rPr lang="en-GB" dirty="0" smtClean="0"/>
+              <a:t>Banknotes in this task:</a:t>
+            </a:r>
           </a:p>
         </p:txBody>
       </p:sp>
       <p:pic>
         <p:nvPicPr>
-          <p:cNvPr id="10" name="Picture 9"/>
+          <p:cNvPr id="17" name="Picture 16"/>
           <p:cNvPicPr>
             <a:picLocks noChangeAspect="1"/>
           </p:cNvPicPr>
@@ -6897,8 +7345,8 @@
         </p:blipFill>
         <p:spPr>
           <a:xfrm>
-            <a:off x="5970310" y="2660930"/>
-            <a:ext cx="684000" cy="684000"/>
+            <a:off x="5893373" y="1441735"/>
+            <a:ext cx="673458" cy="673458"/>
           </a:xfrm>
           <a:prstGeom prst="rect">
             <a:avLst/>
@@ -6907,7 +7355,7 @@
       </p:pic>
       <p:pic>
         <p:nvPicPr>
-          <p:cNvPr id="11" name="Picture 10"/>
+          <p:cNvPr id="18" name="Picture 17"/>
           <p:cNvPicPr>
             <a:picLocks noChangeAspect="1"/>
           </p:cNvPicPr>
@@ -6927,58 +7375,17 @@
         </p:blipFill>
         <p:spPr>
           <a:xfrm>
-            <a:off x="5922192" y="1419124"/>
-            <a:ext cx="684000" cy="684000"/>
+            <a:off x="5943861" y="2667669"/>
+            <a:ext cx="659356" cy="659356"/>
           </a:xfrm>
           <a:prstGeom prst="rect">
             <a:avLst/>
           </a:prstGeom>
         </p:spPr>
       </p:pic>
-      <p:sp>
-        <p:nvSpPr>
-          <p:cNvPr id="12" name="Rectangle 11"/>
-          <p:cNvSpPr/>
-          <p:nvPr/>
-        </p:nvSpPr>
-        <p:spPr>
-          <a:xfrm>
-            <a:off x="5824494" y="3824829"/>
-            <a:ext cx="1512000" cy="828000"/>
-          </a:xfrm>
-          <a:prstGeom prst="rect">
-            <a:avLst/>
-          </a:prstGeom>
-          <a:solidFill>
-            <a:srgbClr val="635C52"/>
-          </a:solidFill>
-        </p:spPr>
-        <p:style>
-          <a:lnRef idx="1">
-            <a:schemeClr val="accent1"/>
-          </a:lnRef>
-          <a:fillRef idx="3">
-            <a:schemeClr val="accent1"/>
-          </a:fillRef>
-          <a:effectRef idx="2">
-            <a:schemeClr val="accent1"/>
-          </a:effectRef>
-          <a:fontRef idx="minor">
-            <a:schemeClr val="lt1"/>
-          </a:fontRef>
-        </p:style>
-        <p:txBody>
-          <a:bodyPr rtlCol="0" anchor="ctr"/>
-          <a:lstStyle/>
-          <a:p>
-            <a:pPr algn="ctr"/>
-            <a:endParaRPr lang="en-GB"/>
-          </a:p>
-        </p:txBody>
-      </p:sp>
       <p:pic>
         <p:nvPicPr>
-          <p:cNvPr id="13" name="Picture 12"/>
+          <p:cNvPr id="2" name="Picture 1"/>
           <p:cNvPicPr>
             <a:picLocks noChangeAspect="1"/>
           </p:cNvPicPr>
@@ -6998,111 +7405,14 @@
         </p:blipFill>
         <p:spPr>
           <a:xfrm>
-            <a:off x="5925434" y="3894051"/>
-            <a:ext cx="684000" cy="684000"/>
+            <a:off x="5919813" y="3891727"/>
+            <a:ext cx="731836" cy="731836"/>
           </a:xfrm>
           <a:prstGeom prst="rect">
             <a:avLst/>
           </a:prstGeom>
         </p:spPr>
       </p:pic>
-      <p:sp>
-        <p:nvSpPr>
-          <p:cNvPr id="14" name="TextBox 13"/>
-          <p:cNvSpPr txBox="1"/>
-          <p:nvPr/>
-        </p:nvSpPr>
-        <p:spPr>
-          <a:xfrm>
-            <a:off x="6684395" y="4059889"/>
-            <a:ext cx="577929" cy="369332"/>
-          </a:xfrm>
-          <a:prstGeom prst="rect">
-            <a:avLst/>
-          </a:prstGeom>
-          <a:noFill/>
-        </p:spPr>
-        <p:txBody>
-          <a:bodyPr wrap="square" rtlCol="0">
-            <a:spAutoFit/>
-          </a:bodyPr>
-          <a:lstStyle/>
-          <a:p>
-            <a:r>
-              <a:rPr lang="en-GB" dirty="0" smtClean="0">
-                <a:solidFill>
-                  <a:srgbClr val="FFFF00"/>
-                </a:solidFill>
-              </a:rPr>
-              <a:t>XX</a:t>
-            </a:r>
-            <a:endParaRPr lang="en-GB" dirty="0">
-              <a:solidFill>
-                <a:srgbClr val="FFFF00"/>
-              </a:solidFill>
-            </a:endParaRPr>
-          </a:p>
-        </p:txBody>
-      </p:sp>
-      <p:sp>
-        <p:nvSpPr>
-          <p:cNvPr id="15" name="TextBox 14"/>
-          <p:cNvSpPr txBox="1"/>
-          <p:nvPr/>
-        </p:nvSpPr>
-        <p:spPr>
-          <a:xfrm>
-            <a:off x="5698872" y="3454378"/>
-            <a:ext cx="1850065" cy="369332"/>
-          </a:xfrm>
-          <a:prstGeom prst="rect">
-            <a:avLst/>
-          </a:prstGeom>
-          <a:noFill/>
-        </p:spPr>
-        <p:txBody>
-          <a:bodyPr wrap="square" rtlCol="0">
-            <a:spAutoFit/>
-          </a:bodyPr>
-          <a:lstStyle/>
-          <a:p>
-            <a:r>
-              <a:rPr lang="en-GB" dirty="0" smtClean="0"/>
-              <a:t>HOUSE Banknote</a:t>
-            </a:r>
-            <a:endParaRPr lang="en-GB" dirty="0"/>
-          </a:p>
-        </p:txBody>
-      </p:sp>
-      <p:sp>
-        <p:nvSpPr>
-          <p:cNvPr id="16" name="TextBox 15"/>
-          <p:cNvSpPr txBox="1"/>
-          <p:nvPr/>
-        </p:nvSpPr>
-        <p:spPr>
-          <a:xfrm>
-            <a:off x="5651428" y="546881"/>
-            <a:ext cx="2761052" cy="369332"/>
-          </a:xfrm>
-          <a:prstGeom prst="rect">
-            <a:avLst/>
-          </a:prstGeom>
-          <a:noFill/>
-        </p:spPr>
-        <p:txBody>
-          <a:bodyPr wrap="square" rtlCol="0">
-            <a:spAutoFit/>
-          </a:bodyPr>
-          <a:lstStyle/>
-          <a:p>
-            <a:r>
-              <a:rPr lang="en-GB" dirty="0" smtClean="0"/>
-              <a:t>Banknotes in this task:</a:t>
-            </a:r>
-          </a:p>
-        </p:txBody>
-      </p:sp>
     </p:spTree>
     <p:extLst>
       <p:ext uri="{BB962C8B-B14F-4D97-AF65-F5344CB8AC3E}">
@@ -7151,7 +7461,7 @@
         </p:spPr>
         <p:txBody>
           <a:bodyPr>
-            <a:normAutofit fontScale="92500" lnSpcReduction="10000"/>
+            <a:normAutofit fontScale="92500" lnSpcReduction="20000"/>
           </a:bodyPr>
           <a:lstStyle/>
           <a:p>
@@ -7189,15 +7499,7 @@
           <a:p>
             <a:r>
               <a:rPr lang="en-US" sz="2400" dirty="0" smtClean="0"/>
-              <a:t>At the end of the task, the computer will randomly pick </a:t>
-            </a:r>
-            <a:r>
-              <a:rPr lang="en-US" sz="2400" b="1" dirty="0" smtClean="0"/>
-              <a:t>four</a:t>
-            </a:r>
-            <a:r>
-              <a:rPr lang="en-US" sz="2400" dirty="0" smtClean="0"/>
-              <a:t> decisions that you made. </a:t>
+              <a:t>The task today will be split into 2 rounds. At the end of the task the computer will randomly choose one decision from each round.</a:t>
             </a:r>
           </a:p>
           <a:p>
@@ -7224,13 +7526,13 @@
       </p:sp>
       <p:sp>
         <p:nvSpPr>
-          <p:cNvPr id="4" name="Rectangle 3"/>
+          <p:cNvPr id="16" name="Rectangle 15"/>
           <p:cNvSpPr/>
           <p:nvPr/>
         </p:nvSpPr>
         <p:spPr>
           <a:xfrm>
-            <a:off x="7253986" y="3032605"/>
+            <a:off x="6456817" y="3109674"/>
             <a:ext cx="1512000" cy="828000"/>
           </a:xfrm>
           <a:prstGeom prst="rect">
@@ -7265,13 +7567,13 @@
       </p:sp>
       <p:sp>
         <p:nvSpPr>
-          <p:cNvPr id="5" name="Rectangle 4"/>
+          <p:cNvPr id="17" name="Rectangle 16"/>
           <p:cNvSpPr/>
           <p:nvPr/>
         </p:nvSpPr>
         <p:spPr>
           <a:xfrm>
-            <a:off x="7227230" y="1803460"/>
+            <a:off x="6430061" y="1880529"/>
             <a:ext cx="1512000" cy="828000"/>
           </a:xfrm>
           <a:prstGeom prst="rect">
@@ -7306,13 +7608,13 @@
       </p:sp>
       <p:sp>
         <p:nvSpPr>
-          <p:cNvPr id="6" name="TextBox 5"/>
+          <p:cNvPr id="18" name="TextBox 17"/>
           <p:cNvSpPr txBox="1"/>
           <p:nvPr/>
         </p:nvSpPr>
         <p:spPr>
           <a:xfrm>
-            <a:off x="8140849" y="3261134"/>
+            <a:off x="7343680" y="3338203"/>
             <a:ext cx="577929" cy="369332"/>
           </a:xfrm>
           <a:prstGeom prst="rect">
@@ -7344,13 +7646,13 @@
       </p:sp>
       <p:sp>
         <p:nvSpPr>
-          <p:cNvPr id="7" name="TextBox 6"/>
+          <p:cNvPr id="19" name="TextBox 18"/>
           <p:cNvSpPr txBox="1"/>
           <p:nvPr/>
         </p:nvSpPr>
         <p:spPr>
           <a:xfrm>
-            <a:off x="8087131" y="2038520"/>
+            <a:off x="7289962" y="2115589"/>
             <a:ext cx="577929" cy="369332"/>
           </a:xfrm>
           <a:prstGeom prst="rect">
@@ -7382,13 +7684,13 @@
       </p:sp>
       <p:sp>
         <p:nvSpPr>
-          <p:cNvPr id="8" name="TextBox 7"/>
+          <p:cNvPr id="20" name="TextBox 19"/>
           <p:cNvSpPr txBox="1"/>
           <p:nvPr/>
         </p:nvSpPr>
         <p:spPr>
           <a:xfrm>
-            <a:off x="6950706" y="2663273"/>
+            <a:off x="6276369" y="2697033"/>
             <a:ext cx="2065048" cy="369332"/>
           </a:xfrm>
           <a:prstGeom prst="rect">
@@ -7404,7 +7706,7 @@
           <a:p>
             <a:r>
               <a:rPr lang="en-GB" dirty="0" smtClean="0"/>
-              <a:t>SCISSORS Banknote</a:t>
+              <a:t>BANANA Banknote</a:t>
             </a:r>
             <a:endParaRPr lang="en-GB" dirty="0"/>
           </a:p>
@@ -7412,13 +7714,13 @@
       </p:sp>
       <p:sp>
         <p:nvSpPr>
-          <p:cNvPr id="9" name="TextBox 8"/>
+          <p:cNvPr id="21" name="TextBox 20"/>
           <p:cNvSpPr txBox="1"/>
           <p:nvPr/>
         </p:nvSpPr>
         <p:spPr>
           <a:xfrm>
-            <a:off x="7101608" y="1433009"/>
+            <a:off x="6304439" y="1510078"/>
             <a:ext cx="1850065" cy="369332"/>
           </a:xfrm>
           <a:prstGeom prst="rect">
@@ -7434,15 +7736,153 @@
           <a:p>
             <a:r>
               <a:rPr lang="en-GB" dirty="0" smtClean="0"/>
-              <a:t>GIRL Banknote</a:t>
+              <a:t>BALL Banknote</a:t>
             </a:r>
             <a:endParaRPr lang="en-GB" dirty="0"/>
+          </a:p>
+        </p:txBody>
+      </p:sp>
+      <p:sp>
+        <p:nvSpPr>
+          <p:cNvPr id="22" name="Rectangle 21"/>
+          <p:cNvSpPr/>
+          <p:nvPr/>
+        </p:nvSpPr>
+        <p:spPr>
+          <a:xfrm>
+            <a:off x="6434094" y="4350351"/>
+            <a:ext cx="1512000" cy="828000"/>
+          </a:xfrm>
+          <a:prstGeom prst="rect">
+            <a:avLst/>
+          </a:prstGeom>
+          <a:solidFill>
+            <a:srgbClr val="635C52"/>
+          </a:solidFill>
+        </p:spPr>
+        <p:style>
+          <a:lnRef idx="1">
+            <a:schemeClr val="accent1"/>
+          </a:lnRef>
+          <a:fillRef idx="3">
+            <a:schemeClr val="accent1"/>
+          </a:fillRef>
+          <a:effectRef idx="2">
+            <a:schemeClr val="accent1"/>
+          </a:effectRef>
+          <a:fontRef idx="minor">
+            <a:schemeClr val="lt1"/>
+          </a:fontRef>
+        </p:style>
+        <p:txBody>
+          <a:bodyPr rtlCol="0" anchor="ctr"/>
+          <a:lstStyle/>
+          <a:p>
+            <a:pPr algn="ctr"/>
+            <a:endParaRPr lang="en-GB"/>
+          </a:p>
+        </p:txBody>
+      </p:sp>
+      <p:sp>
+        <p:nvSpPr>
+          <p:cNvPr id="23" name="TextBox 22"/>
+          <p:cNvSpPr txBox="1"/>
+          <p:nvPr/>
+        </p:nvSpPr>
+        <p:spPr>
+          <a:xfrm>
+            <a:off x="7318379" y="4585411"/>
+            <a:ext cx="577929" cy="369332"/>
+          </a:xfrm>
+          <a:prstGeom prst="rect">
+            <a:avLst/>
+          </a:prstGeom>
+          <a:noFill/>
+        </p:spPr>
+        <p:txBody>
+          <a:bodyPr wrap="square" rtlCol="0">
+            <a:spAutoFit/>
+          </a:bodyPr>
+          <a:lstStyle/>
+          <a:p>
+            <a:r>
+              <a:rPr lang="en-GB" dirty="0" smtClean="0">
+                <a:solidFill>
+                  <a:srgbClr val="FFFF00"/>
+                </a:solidFill>
+              </a:rPr>
+              <a:t>XX</a:t>
+            </a:r>
+            <a:endParaRPr lang="en-GB" dirty="0">
+              <a:solidFill>
+                <a:srgbClr val="FFFF00"/>
+              </a:solidFill>
+            </a:endParaRPr>
+          </a:p>
+        </p:txBody>
+      </p:sp>
+      <p:sp>
+        <p:nvSpPr>
+          <p:cNvPr id="24" name="TextBox 23"/>
+          <p:cNvSpPr txBox="1"/>
+          <p:nvPr/>
+        </p:nvSpPr>
+        <p:spPr>
+          <a:xfrm>
+            <a:off x="6308472" y="3979900"/>
+            <a:ext cx="2250312" cy="369332"/>
+          </a:xfrm>
+          <a:prstGeom prst="rect">
+            <a:avLst/>
+          </a:prstGeom>
+          <a:noFill/>
+        </p:spPr>
+        <p:txBody>
+          <a:bodyPr wrap="square" rtlCol="0">
+            <a:spAutoFit/>
+          </a:bodyPr>
+          <a:lstStyle/>
+          <a:p>
+            <a:r>
+              <a:rPr lang="en-GB" dirty="0" smtClean="0"/>
+              <a:t>UMBRELLA Banknote</a:t>
+            </a:r>
+            <a:endParaRPr lang="en-GB" dirty="0"/>
+          </a:p>
+        </p:txBody>
+      </p:sp>
+      <p:sp>
+        <p:nvSpPr>
+          <p:cNvPr id="25" name="TextBox 24"/>
+          <p:cNvSpPr txBox="1"/>
+          <p:nvPr/>
+        </p:nvSpPr>
+        <p:spPr>
+          <a:xfrm>
+            <a:off x="6261028" y="1072403"/>
+            <a:ext cx="2761052" cy="369332"/>
+          </a:xfrm>
+          <a:prstGeom prst="rect">
+            <a:avLst/>
+          </a:prstGeom>
+          <a:noFill/>
+        </p:spPr>
+        <p:txBody>
+          <a:bodyPr wrap="square" rtlCol="0">
+            <a:spAutoFit/>
+          </a:bodyPr>
+          <a:lstStyle/>
+          <a:p>
+            <a:r>
+              <a:rPr lang="en-GB" dirty="0" smtClean="0"/>
+              <a:t>Banknotes in this task:</a:t>
+            </a:r>
           </a:p>
         </p:txBody>
       </p:sp>
       <p:pic>
         <p:nvPicPr>
-          <p:cNvPr id="10" name="Picture 9"/>
+          <p:cNvPr id="26" name="Picture 25"/>
           <p:cNvPicPr>
             <a:picLocks noChangeAspect="1"/>
           </p:cNvPicPr>
@@ -7462,8 +7902,8 @@
         </p:blipFill>
         <p:spPr>
           <a:xfrm>
-            <a:off x="7377079" y="3109383"/>
-            <a:ext cx="684000" cy="684000"/>
+            <a:off x="6502973" y="1967257"/>
+            <a:ext cx="673458" cy="673458"/>
           </a:xfrm>
           <a:prstGeom prst="rect">
             <a:avLst/>
@@ -7472,7 +7912,7 @@
       </p:pic>
       <p:pic>
         <p:nvPicPr>
-          <p:cNvPr id="11" name="Picture 10"/>
+          <p:cNvPr id="27" name="Picture 26"/>
           <p:cNvPicPr>
             <a:picLocks noChangeAspect="1"/>
           </p:cNvPicPr>
@@ -7492,58 +7932,17 @@
         </p:blipFill>
         <p:spPr>
           <a:xfrm>
-            <a:off x="7328961" y="1867577"/>
-            <a:ext cx="684000" cy="684000"/>
+            <a:off x="6553461" y="3193191"/>
+            <a:ext cx="659356" cy="659356"/>
           </a:xfrm>
           <a:prstGeom prst="rect">
             <a:avLst/>
           </a:prstGeom>
         </p:spPr>
       </p:pic>
-      <p:sp>
-        <p:nvSpPr>
-          <p:cNvPr id="12" name="Rectangle 11"/>
-          <p:cNvSpPr/>
-          <p:nvPr/>
-        </p:nvSpPr>
-        <p:spPr>
-          <a:xfrm>
-            <a:off x="7231263" y="4273282"/>
-            <a:ext cx="1512000" cy="828000"/>
-          </a:xfrm>
-          <a:prstGeom prst="rect">
-            <a:avLst/>
-          </a:prstGeom>
-          <a:solidFill>
-            <a:srgbClr val="635C52"/>
-          </a:solidFill>
-        </p:spPr>
-        <p:style>
-          <a:lnRef idx="1">
-            <a:schemeClr val="accent1"/>
-          </a:lnRef>
-          <a:fillRef idx="3">
-            <a:schemeClr val="accent1"/>
-          </a:fillRef>
-          <a:effectRef idx="2">
-            <a:schemeClr val="accent1"/>
-          </a:effectRef>
-          <a:fontRef idx="minor">
-            <a:schemeClr val="lt1"/>
-          </a:fontRef>
-        </p:style>
-        <p:txBody>
-          <a:bodyPr rtlCol="0" anchor="ctr"/>
-          <a:lstStyle/>
-          <a:p>
-            <a:pPr algn="ctr"/>
-            <a:endParaRPr lang="en-GB"/>
-          </a:p>
-        </p:txBody>
-      </p:sp>
       <p:pic>
         <p:nvPicPr>
-          <p:cNvPr id="13" name="Picture 12"/>
+          <p:cNvPr id="28" name="Picture 27"/>
           <p:cNvPicPr>
             <a:picLocks noChangeAspect="1"/>
           </p:cNvPicPr>
@@ -7563,82 +7962,14 @@
         </p:blipFill>
         <p:spPr>
           <a:xfrm>
-            <a:off x="7332203" y="4342504"/>
-            <a:ext cx="684000" cy="684000"/>
+            <a:off x="6529413" y="4417249"/>
+            <a:ext cx="731836" cy="731836"/>
           </a:xfrm>
           <a:prstGeom prst="rect">
             <a:avLst/>
           </a:prstGeom>
         </p:spPr>
       </p:pic>
-      <p:sp>
-        <p:nvSpPr>
-          <p:cNvPr id="14" name="TextBox 13"/>
-          <p:cNvSpPr txBox="1"/>
-          <p:nvPr/>
-        </p:nvSpPr>
-        <p:spPr>
-          <a:xfrm>
-            <a:off x="8091164" y="4508342"/>
-            <a:ext cx="577929" cy="369332"/>
-          </a:xfrm>
-          <a:prstGeom prst="rect">
-            <a:avLst/>
-          </a:prstGeom>
-          <a:noFill/>
-        </p:spPr>
-        <p:txBody>
-          <a:bodyPr wrap="square" rtlCol="0">
-            <a:spAutoFit/>
-          </a:bodyPr>
-          <a:lstStyle/>
-          <a:p>
-            <a:r>
-              <a:rPr lang="en-GB" dirty="0" smtClean="0">
-                <a:solidFill>
-                  <a:srgbClr val="FFFF00"/>
-                </a:solidFill>
-              </a:rPr>
-              <a:t>XX</a:t>
-            </a:r>
-            <a:endParaRPr lang="en-GB" dirty="0">
-              <a:solidFill>
-                <a:srgbClr val="FFFF00"/>
-              </a:solidFill>
-            </a:endParaRPr>
-          </a:p>
-        </p:txBody>
-      </p:sp>
-      <p:sp>
-        <p:nvSpPr>
-          <p:cNvPr id="15" name="TextBox 14"/>
-          <p:cNvSpPr txBox="1"/>
-          <p:nvPr/>
-        </p:nvSpPr>
-        <p:spPr>
-          <a:xfrm>
-            <a:off x="7105641" y="3902831"/>
-            <a:ext cx="1850065" cy="369332"/>
-          </a:xfrm>
-          <a:prstGeom prst="rect">
-            <a:avLst/>
-          </a:prstGeom>
-          <a:noFill/>
-        </p:spPr>
-        <p:txBody>
-          <a:bodyPr wrap="square" rtlCol="0">
-            <a:spAutoFit/>
-          </a:bodyPr>
-          <a:lstStyle/>
-          <a:p>
-            <a:r>
-              <a:rPr lang="en-GB" dirty="0" smtClean="0"/>
-              <a:t>HOUSE Banknote</a:t>
-            </a:r>
-            <a:endParaRPr lang="en-GB" dirty="0"/>
-          </a:p>
-        </p:txBody>
-      </p:sp>
     </p:spTree>
     <p:extLst>
       <p:ext uri="{BB962C8B-B14F-4D97-AF65-F5344CB8AC3E}">
@@ -7652,7 +7983,7 @@
   <p:timing>
     <p:tnLst>
       <p:par>
-        <p:cTn id="1" dur="indefinite" restart="never" nodeType="tmRoot"/>
+        <p:cTn xmlns:p14="http://schemas.microsoft.com/office/powerpoint/2010/main" id="1" dur="indefinite" restart="never" nodeType="tmRoot"/>
       </p:par>
     </p:tnLst>
   </p:timing>
@@ -7689,7 +8020,7 @@
         <p:spPr>
           <a:xfrm>
             <a:off x="316521" y="112542"/>
-            <a:ext cx="4850687" cy="4592193"/>
+            <a:ext cx="4850687" cy="5760403"/>
           </a:xfrm>
         </p:spPr>
         <p:txBody>
@@ -7700,181 +8031,174 @@
           <a:p>
             <a:pPr algn="just"/>
             <a:r>
-              <a:rPr lang="en-GB" sz="2000" dirty="0" smtClean="0"/>
-              <a:t>We’ll now present the structure of each game.</a:t>
+              <a:rPr lang="en-GB" sz="2200" dirty="0" smtClean="0"/>
+              <a:t>On each game in this task you </a:t>
+            </a:r>
+            <a:r>
+              <a:rPr lang="en-GB" sz="2200" dirty="0"/>
+              <a:t>will be presented with one of the slot machines that </a:t>
+            </a:r>
+            <a:r>
+              <a:rPr lang="en-GB" sz="2200" dirty="0" smtClean="0"/>
+              <a:t>were </a:t>
+            </a:r>
+            <a:r>
+              <a:rPr lang="en-GB" sz="2200" dirty="0"/>
+              <a:t>in the previous </a:t>
+            </a:r>
+            <a:r>
+              <a:rPr lang="en-GB" sz="2200" dirty="0" smtClean="0"/>
+              <a:t>task.</a:t>
             </a:r>
           </a:p>
           <a:p>
             <a:pPr algn="just"/>
             <a:r>
-              <a:rPr lang="en-GB" sz="2000" dirty="0" smtClean="0"/>
-              <a:t>On each game in this task you </a:t>
-            </a:r>
-            <a:r>
-              <a:rPr lang="en-GB" sz="2000" dirty="0"/>
-              <a:t>will be presented with one of the slot machines that </a:t>
-            </a:r>
-            <a:r>
-              <a:rPr lang="en-GB" sz="2000" dirty="0" smtClean="0"/>
-              <a:t>were </a:t>
-            </a:r>
-            <a:r>
-              <a:rPr lang="en-GB" sz="2000" dirty="0"/>
-              <a:t>in the previous </a:t>
-            </a:r>
-            <a:r>
-              <a:rPr lang="en-GB" sz="2000" dirty="0" smtClean="0"/>
-              <a:t>task.</a:t>
+              <a:rPr lang="en-GB" sz="2200" dirty="0" smtClean="0"/>
+              <a:t>Now, you </a:t>
+            </a:r>
+            <a:r>
+              <a:rPr lang="en-GB" sz="2200" dirty="0"/>
+              <a:t>can choose </a:t>
+            </a:r>
+            <a:r>
+              <a:rPr lang="en-GB" sz="2200" dirty="0" smtClean="0"/>
+              <a:t>either </a:t>
+            </a:r>
+            <a:r>
+              <a:rPr lang="en-GB" sz="2200" dirty="0"/>
+              <a:t>to </a:t>
+            </a:r>
+            <a:r>
+              <a:rPr lang="en-GB" sz="2200" b="1" dirty="0"/>
+              <a:t>play</a:t>
+            </a:r>
+            <a:r>
+              <a:rPr lang="en-GB" sz="2200" dirty="0"/>
+              <a:t> the slot machine or to </a:t>
+            </a:r>
+            <a:r>
+              <a:rPr lang="en-GB" sz="2200" b="1" dirty="0"/>
+              <a:t>reject</a:t>
+            </a:r>
+            <a:r>
+              <a:rPr lang="en-GB" sz="2200" dirty="0"/>
+              <a:t> </a:t>
+            </a:r>
+            <a:r>
+              <a:rPr lang="en-GB" sz="2200" dirty="0" smtClean="0"/>
+              <a:t>it.</a:t>
             </a:r>
           </a:p>
           <a:p>
             <a:pPr algn="just"/>
             <a:r>
-              <a:rPr lang="en-GB" sz="2000" dirty="0" smtClean="0"/>
-              <a:t>Now, you </a:t>
-            </a:r>
-            <a:r>
-              <a:rPr lang="en-GB" sz="2000" dirty="0"/>
-              <a:t>can choose </a:t>
-            </a:r>
-            <a:r>
-              <a:rPr lang="en-GB" sz="2000" dirty="0" smtClean="0"/>
-              <a:t>either </a:t>
-            </a:r>
-            <a:r>
-              <a:rPr lang="en-GB" sz="2000" dirty="0"/>
-              <a:t>to </a:t>
-            </a:r>
-            <a:r>
-              <a:rPr lang="en-GB" sz="2000" b="1" dirty="0"/>
-              <a:t>play</a:t>
-            </a:r>
-            <a:r>
-              <a:rPr lang="en-GB" sz="2000" dirty="0"/>
-              <a:t> the slot machine or to </a:t>
-            </a:r>
-            <a:r>
-              <a:rPr lang="en-GB" sz="2000" b="1" dirty="0"/>
-              <a:t>reject</a:t>
-            </a:r>
-            <a:r>
-              <a:rPr lang="en-GB" sz="2000" dirty="0"/>
-              <a:t> </a:t>
-            </a:r>
-            <a:r>
-              <a:rPr lang="en-GB" sz="2000" dirty="0" smtClean="0"/>
-              <a:t>it.</a:t>
+              <a:rPr lang="en-GB" sz="2200" b="1" dirty="0"/>
+              <a:t>P</a:t>
+            </a:r>
+            <a:r>
+              <a:rPr lang="en-GB" sz="2200" b="1" dirty="0" smtClean="0"/>
+              <a:t>laying</a:t>
+            </a:r>
+            <a:r>
+              <a:rPr lang="en-GB" sz="2200" dirty="0" smtClean="0"/>
+              <a:t> (key 1) a </a:t>
+            </a:r>
+            <a:r>
+              <a:rPr lang="en-GB" sz="2200" dirty="0"/>
+              <a:t>slot </a:t>
+            </a:r>
+            <a:r>
+              <a:rPr lang="en-GB" sz="2200" dirty="0" smtClean="0"/>
+              <a:t>machine will produce either the </a:t>
+            </a:r>
+            <a:r>
+              <a:rPr lang="en-GB" sz="2200" b="1" dirty="0" smtClean="0"/>
+              <a:t>BALL</a:t>
+            </a:r>
+            <a:r>
+              <a:rPr lang="en-GB" sz="2200" dirty="0" smtClean="0"/>
+              <a:t> or </a:t>
+            </a:r>
+            <a:r>
+              <a:rPr lang="en-GB" sz="2200" b="1" dirty="0" smtClean="0"/>
+              <a:t>BANANA</a:t>
+            </a:r>
+            <a:r>
+              <a:rPr lang="en-GB" sz="2200" dirty="0" smtClean="0"/>
+              <a:t> banknote.</a:t>
             </a:r>
           </a:p>
           <a:p>
             <a:pPr algn="just"/>
             <a:r>
-              <a:rPr lang="en-GB" sz="2000" b="1" dirty="0"/>
-              <a:t>P</a:t>
-            </a:r>
-            <a:r>
-              <a:rPr lang="en-GB" sz="2000" b="1" dirty="0" smtClean="0"/>
-              <a:t>laying</a:t>
-            </a:r>
-            <a:r>
-              <a:rPr lang="en-GB" sz="2000" dirty="0" smtClean="0"/>
-              <a:t> (key 1) a </a:t>
-            </a:r>
-            <a:r>
-              <a:rPr lang="en-GB" sz="2000" dirty="0"/>
-              <a:t>slot </a:t>
-            </a:r>
-            <a:r>
-              <a:rPr lang="en-GB" sz="2000" dirty="0" smtClean="0"/>
-              <a:t>machine will produce either the </a:t>
-            </a:r>
-            <a:r>
-              <a:rPr lang="en-GB" sz="2000" b="1" dirty="0" smtClean="0"/>
-              <a:t>SCISSORS</a:t>
-            </a:r>
-            <a:r>
-              <a:rPr lang="en-GB" sz="2000" dirty="0" smtClean="0"/>
-              <a:t> or </a:t>
-            </a:r>
-            <a:r>
-              <a:rPr lang="en-GB" sz="2000" b="1" dirty="0" smtClean="0"/>
-              <a:t>GIRL</a:t>
-            </a:r>
-            <a:r>
-              <a:rPr lang="en-GB" sz="2000" dirty="0" smtClean="0"/>
+              <a:rPr lang="en-GB" sz="2200" dirty="0" smtClean="0"/>
+              <a:t>The </a:t>
+            </a:r>
+            <a:r>
+              <a:rPr lang="en-GB" sz="2200" b="1" dirty="0"/>
+              <a:t>chances</a:t>
+            </a:r>
+            <a:r>
+              <a:rPr lang="en-GB" sz="2200" dirty="0"/>
+              <a:t> of </a:t>
+            </a:r>
+            <a:r>
+              <a:rPr lang="en-GB" sz="2200" dirty="0" smtClean="0"/>
+              <a:t>a given </a:t>
+            </a:r>
+            <a:r>
+              <a:rPr lang="en-GB" sz="2200" dirty="0"/>
+              <a:t>slot machine producing either of these two banknotes will be the </a:t>
+            </a:r>
+            <a:r>
+              <a:rPr lang="en-GB" sz="2200" b="1" dirty="0"/>
+              <a:t>same as </a:t>
+            </a:r>
+            <a:r>
+              <a:rPr lang="en-GB" sz="2200" b="1" dirty="0" smtClean="0"/>
+              <a:t>what you were just tested on</a:t>
+            </a:r>
+            <a:r>
+              <a:rPr lang="en-GB" sz="2200" dirty="0" smtClean="0"/>
+              <a:t>. These chances will </a:t>
+            </a:r>
+            <a:r>
+              <a:rPr lang="en-GB" sz="2200" b="1" dirty="0" smtClean="0"/>
+              <a:t>not change </a:t>
+            </a:r>
+            <a:r>
+              <a:rPr lang="en-GB" sz="2200" dirty="0" smtClean="0"/>
+              <a:t>over the course of the task.</a:t>
+            </a:r>
+          </a:p>
+          <a:p>
+            <a:pPr algn="just"/>
+            <a:r>
+              <a:rPr lang="en-GB" sz="2200" dirty="0" smtClean="0"/>
+              <a:t>You can also reject </a:t>
+            </a:r>
+            <a:r>
+              <a:rPr lang="en-GB" sz="2200" dirty="0"/>
+              <a:t>a slot </a:t>
+            </a:r>
+            <a:r>
+              <a:rPr lang="en-GB" sz="2200" dirty="0" smtClean="0"/>
+              <a:t>machine (key 2). </a:t>
+            </a:r>
+            <a:r>
+              <a:rPr lang="en-GB" sz="2200" dirty="0"/>
+              <a:t>If you reject a slot machine, you will always get the </a:t>
+            </a:r>
+            <a:r>
+              <a:rPr lang="en-GB" sz="2200" b="1" dirty="0" smtClean="0"/>
+              <a:t>UMBRELLA</a:t>
+            </a:r>
+            <a:r>
+              <a:rPr lang="en-GB" sz="2200" dirty="0" smtClean="0"/>
               <a:t> banknote.</a:t>
             </a:r>
-          </a:p>
-          <a:p>
-            <a:pPr algn="just"/>
-            <a:r>
-              <a:rPr lang="en-GB" sz="2000" dirty="0" smtClean="0"/>
-              <a:t>The </a:t>
-            </a:r>
-            <a:r>
-              <a:rPr lang="en-GB" sz="2000" b="1" dirty="0"/>
-              <a:t>chances</a:t>
-            </a:r>
-            <a:r>
-              <a:rPr lang="en-GB" sz="2000" dirty="0"/>
-              <a:t> of </a:t>
-            </a:r>
-            <a:r>
-              <a:rPr lang="en-GB" sz="2000" dirty="0" smtClean="0"/>
-              <a:t>a given </a:t>
-            </a:r>
-            <a:r>
-              <a:rPr lang="en-GB" sz="2000" dirty="0"/>
-              <a:t>slot machine producing either of these two banknotes will be the </a:t>
-            </a:r>
-            <a:r>
-              <a:rPr lang="en-GB" sz="2000" b="1" dirty="0"/>
-              <a:t>same as </a:t>
-            </a:r>
-            <a:r>
-              <a:rPr lang="en-GB" sz="2000" b="1" dirty="0" smtClean="0"/>
-              <a:t>what you were just tested on</a:t>
-            </a:r>
-            <a:r>
-              <a:rPr lang="en-GB" sz="2000" dirty="0" smtClean="0"/>
-              <a:t>. These chances will </a:t>
-            </a:r>
-            <a:r>
-              <a:rPr lang="en-GB" sz="2000" b="1" dirty="0" smtClean="0"/>
-              <a:t>not change </a:t>
-            </a:r>
-            <a:r>
-              <a:rPr lang="en-GB" sz="2000" dirty="0" smtClean="0"/>
-              <a:t>over the course of the task.</a:t>
-            </a:r>
-          </a:p>
-          <a:p>
-            <a:pPr algn="just"/>
-            <a:r>
-              <a:rPr lang="en-GB" sz="2000" dirty="0" smtClean="0"/>
-              <a:t>You can also reject </a:t>
-            </a:r>
-            <a:r>
-              <a:rPr lang="en-GB" sz="2000" dirty="0"/>
-              <a:t>a slot </a:t>
-            </a:r>
-            <a:r>
-              <a:rPr lang="en-GB" sz="2000" dirty="0" smtClean="0"/>
-              <a:t>machine (key 2). </a:t>
-            </a:r>
-            <a:r>
-              <a:rPr lang="en-GB" sz="2000" dirty="0"/>
-              <a:t>If you reject a slot machine, you will always get the </a:t>
-            </a:r>
-            <a:r>
-              <a:rPr lang="en-GB" sz="2000" b="1" dirty="0" smtClean="0"/>
-              <a:t>HOUSE</a:t>
-            </a:r>
-            <a:r>
-              <a:rPr lang="en-GB" sz="2000" dirty="0" smtClean="0"/>
-              <a:t> banknote.</a:t>
-            </a:r>
-            <a:endParaRPr lang="en-GB" sz="2000" dirty="0"/>
+            <a:endParaRPr lang="en-GB" sz="2200" dirty="0"/>
           </a:p>
         </p:txBody>
       </p:sp>
@@ -7919,9 +8243,501 @@
           </a:p>
         </p:txBody>
       </p:sp>
+      <p:sp>
+        <p:nvSpPr>
+          <p:cNvPr id="6" name="TextBox 5"/>
+          <p:cNvSpPr txBox="1"/>
+          <p:nvPr/>
+        </p:nvSpPr>
+        <p:spPr>
+          <a:xfrm>
+            <a:off x="6800720" y="5223200"/>
+            <a:ext cx="577929" cy="369332"/>
+          </a:xfrm>
+          <a:prstGeom prst="rect">
+            <a:avLst/>
+          </a:prstGeom>
+          <a:noFill/>
+        </p:spPr>
+        <p:txBody>
+          <a:bodyPr wrap="square" rtlCol="0">
+            <a:spAutoFit/>
+          </a:bodyPr>
+          <a:lstStyle/>
+          <a:p>
+            <a:r>
+              <a:rPr lang="en-GB" dirty="0" smtClean="0">
+                <a:solidFill>
+                  <a:srgbClr val="FFFF00"/>
+                </a:solidFill>
+              </a:rPr>
+              <a:t>XX</a:t>
+            </a:r>
+            <a:endParaRPr lang="en-GB" dirty="0">
+              <a:solidFill>
+                <a:srgbClr val="FFFF00"/>
+              </a:solidFill>
+            </a:endParaRPr>
+          </a:p>
+        </p:txBody>
+      </p:sp>
+      <p:sp>
+        <p:nvSpPr>
+          <p:cNvPr id="7" name="Rectangle 6"/>
+          <p:cNvSpPr/>
+          <p:nvPr/>
+        </p:nvSpPr>
+        <p:spPr>
+          <a:xfrm>
+            <a:off x="5590209" y="4102344"/>
+            <a:ext cx="1363578" cy="369332"/>
+          </a:xfrm>
+          <a:prstGeom prst="rect">
+            <a:avLst/>
+          </a:prstGeom>
+        </p:spPr>
+        <p:txBody>
+          <a:bodyPr wrap="none">
+            <a:spAutoFit/>
+          </a:bodyPr>
+          <a:lstStyle/>
+          <a:p>
+            <a:r>
+              <a:rPr lang="en-GB" dirty="0" smtClean="0"/>
+              <a:t>If you </a:t>
+            </a:r>
+            <a:r>
+              <a:rPr lang="en-GB" b="1" dirty="0" smtClean="0"/>
+              <a:t>reject</a:t>
+            </a:r>
+            <a:r>
+              <a:rPr lang="en-GB" dirty="0" smtClean="0"/>
+              <a:t>:</a:t>
+            </a:r>
+            <a:endParaRPr lang="en-GB" dirty="0"/>
+          </a:p>
+        </p:txBody>
+      </p:sp>
+      <p:sp>
+        <p:nvSpPr>
+          <p:cNvPr id="15" name="Rectangle 14"/>
+          <p:cNvSpPr/>
+          <p:nvPr/>
+        </p:nvSpPr>
+        <p:spPr>
+          <a:xfrm>
+            <a:off x="7561362" y="2221280"/>
+            <a:ext cx="1512000" cy="828000"/>
+          </a:xfrm>
+          <a:prstGeom prst="rect">
+            <a:avLst/>
+          </a:prstGeom>
+          <a:solidFill>
+            <a:srgbClr val="635C52"/>
+          </a:solidFill>
+        </p:spPr>
+        <p:style>
+          <a:lnRef idx="1">
+            <a:schemeClr val="accent1"/>
+          </a:lnRef>
+          <a:fillRef idx="3">
+            <a:schemeClr val="accent1"/>
+          </a:fillRef>
+          <a:effectRef idx="2">
+            <a:schemeClr val="accent1"/>
+          </a:effectRef>
+          <a:fontRef idx="minor">
+            <a:schemeClr val="lt1"/>
+          </a:fontRef>
+        </p:style>
+        <p:txBody>
+          <a:bodyPr rtlCol="0" anchor="ctr"/>
+          <a:lstStyle/>
+          <a:p>
+            <a:pPr algn="ctr"/>
+            <a:endParaRPr lang="en-GB"/>
+          </a:p>
+        </p:txBody>
+      </p:sp>
+      <p:sp>
+        <p:nvSpPr>
+          <p:cNvPr id="16" name="Rectangle 15"/>
+          <p:cNvSpPr/>
+          <p:nvPr/>
+        </p:nvSpPr>
+        <p:spPr>
+          <a:xfrm>
+            <a:off x="5523858" y="2182679"/>
+            <a:ext cx="1512000" cy="828000"/>
+          </a:xfrm>
+          <a:prstGeom prst="rect">
+            <a:avLst/>
+          </a:prstGeom>
+          <a:solidFill>
+            <a:srgbClr val="635C52"/>
+          </a:solidFill>
+        </p:spPr>
+        <p:style>
+          <a:lnRef idx="1">
+            <a:schemeClr val="accent1"/>
+          </a:lnRef>
+          <a:fillRef idx="3">
+            <a:schemeClr val="accent1"/>
+          </a:fillRef>
+          <a:effectRef idx="2">
+            <a:schemeClr val="accent1"/>
+          </a:effectRef>
+          <a:fontRef idx="minor">
+            <a:schemeClr val="lt1"/>
+          </a:fontRef>
+        </p:style>
+        <p:txBody>
+          <a:bodyPr rtlCol="0" anchor="ctr"/>
+          <a:lstStyle/>
+          <a:p>
+            <a:pPr algn="ctr"/>
+            <a:endParaRPr lang="en-GB"/>
+          </a:p>
+        </p:txBody>
+      </p:sp>
+      <p:sp>
+        <p:nvSpPr>
+          <p:cNvPr id="17" name="TextBox 16"/>
+          <p:cNvSpPr txBox="1"/>
+          <p:nvPr/>
+        </p:nvSpPr>
+        <p:spPr>
+          <a:xfrm>
+            <a:off x="8448225" y="2449809"/>
+            <a:ext cx="577929" cy="369332"/>
+          </a:xfrm>
+          <a:prstGeom prst="rect">
+            <a:avLst/>
+          </a:prstGeom>
+          <a:noFill/>
+        </p:spPr>
+        <p:txBody>
+          <a:bodyPr wrap="square" rtlCol="0">
+            <a:spAutoFit/>
+          </a:bodyPr>
+          <a:lstStyle/>
+          <a:p>
+            <a:r>
+              <a:rPr lang="en-GB" dirty="0" smtClean="0">
+                <a:solidFill>
+                  <a:srgbClr val="FFFF00"/>
+                </a:solidFill>
+              </a:rPr>
+              <a:t>XX</a:t>
+            </a:r>
+            <a:endParaRPr lang="en-GB" dirty="0">
+              <a:solidFill>
+                <a:srgbClr val="FFFF00"/>
+              </a:solidFill>
+            </a:endParaRPr>
+          </a:p>
+        </p:txBody>
+      </p:sp>
+      <p:sp>
+        <p:nvSpPr>
+          <p:cNvPr id="18" name="TextBox 17"/>
+          <p:cNvSpPr txBox="1"/>
+          <p:nvPr/>
+        </p:nvSpPr>
+        <p:spPr>
+          <a:xfrm>
+            <a:off x="6383759" y="2417739"/>
+            <a:ext cx="577929" cy="369332"/>
+          </a:xfrm>
+          <a:prstGeom prst="rect">
+            <a:avLst/>
+          </a:prstGeom>
+          <a:noFill/>
+        </p:spPr>
+        <p:txBody>
+          <a:bodyPr wrap="square" rtlCol="0">
+            <a:spAutoFit/>
+          </a:bodyPr>
+          <a:lstStyle/>
+          <a:p>
+            <a:r>
+              <a:rPr lang="en-GB" dirty="0" smtClean="0">
+                <a:solidFill>
+                  <a:srgbClr val="FFFF00"/>
+                </a:solidFill>
+              </a:rPr>
+              <a:t>XX</a:t>
+            </a:r>
+            <a:endParaRPr lang="en-GB" dirty="0">
+              <a:solidFill>
+                <a:srgbClr val="FFFF00"/>
+              </a:solidFill>
+            </a:endParaRPr>
+          </a:p>
+        </p:txBody>
+      </p:sp>
+      <p:sp>
+        <p:nvSpPr>
+          <p:cNvPr id="19" name="TextBox 18"/>
+          <p:cNvSpPr txBox="1"/>
+          <p:nvPr/>
+        </p:nvSpPr>
+        <p:spPr>
+          <a:xfrm>
+            <a:off x="7119041" y="1822715"/>
+            <a:ext cx="2065048" cy="369332"/>
+          </a:xfrm>
+          <a:prstGeom prst="rect">
+            <a:avLst/>
+          </a:prstGeom>
+          <a:noFill/>
+        </p:spPr>
+        <p:txBody>
+          <a:bodyPr wrap="square" rtlCol="0">
+            <a:spAutoFit/>
+          </a:bodyPr>
+          <a:lstStyle/>
+          <a:p>
+            <a:r>
+              <a:rPr lang="en-GB" dirty="0" smtClean="0"/>
+              <a:t>BANANA Banknote</a:t>
+            </a:r>
+            <a:endParaRPr lang="en-GB" dirty="0"/>
+          </a:p>
+        </p:txBody>
+      </p:sp>
+      <p:sp>
+        <p:nvSpPr>
+          <p:cNvPr id="20" name="TextBox 19"/>
+          <p:cNvSpPr txBox="1"/>
+          <p:nvPr/>
+        </p:nvSpPr>
+        <p:spPr>
+          <a:xfrm>
+            <a:off x="5404028" y="1788322"/>
+            <a:ext cx="1850065" cy="369332"/>
+          </a:xfrm>
+          <a:prstGeom prst="rect">
+            <a:avLst/>
+          </a:prstGeom>
+          <a:noFill/>
+        </p:spPr>
+        <p:txBody>
+          <a:bodyPr wrap="square" rtlCol="0">
+            <a:spAutoFit/>
+          </a:bodyPr>
+          <a:lstStyle/>
+          <a:p>
+            <a:r>
+              <a:rPr lang="en-GB" dirty="0" smtClean="0"/>
+              <a:t>BALL Banknote</a:t>
+            </a:r>
+            <a:endParaRPr lang="en-GB" dirty="0"/>
+          </a:p>
+        </p:txBody>
+      </p:sp>
+      <p:sp>
+        <p:nvSpPr>
+          <p:cNvPr id="23" name="Rectangle 22"/>
+          <p:cNvSpPr/>
+          <p:nvPr/>
+        </p:nvSpPr>
+        <p:spPr>
+          <a:xfrm>
+            <a:off x="5326576" y="1454877"/>
+            <a:ext cx="1224566" cy="369332"/>
+          </a:xfrm>
+          <a:prstGeom prst="rect">
+            <a:avLst/>
+          </a:prstGeom>
+        </p:spPr>
+        <p:txBody>
+          <a:bodyPr wrap="none">
+            <a:spAutoFit/>
+          </a:bodyPr>
+          <a:lstStyle/>
+          <a:p>
+            <a:r>
+              <a:rPr lang="en-GB" dirty="0" smtClean="0"/>
+              <a:t>If </a:t>
+            </a:r>
+            <a:r>
+              <a:rPr lang="en-GB" dirty="0"/>
+              <a:t>you</a:t>
+            </a:r>
+            <a:r>
+              <a:rPr lang="en-GB" dirty="0" smtClean="0"/>
+              <a:t> </a:t>
+            </a:r>
+            <a:r>
+              <a:rPr lang="en-GB" b="1" dirty="0" smtClean="0"/>
+              <a:t>play</a:t>
+            </a:r>
+            <a:r>
+              <a:rPr lang="en-GB" dirty="0" smtClean="0"/>
+              <a:t>:</a:t>
+            </a:r>
+            <a:endParaRPr lang="en-GB" dirty="0"/>
+          </a:p>
+        </p:txBody>
+      </p:sp>
+      <p:sp>
+        <p:nvSpPr>
+          <p:cNvPr id="24" name="Rectangle 23"/>
+          <p:cNvSpPr/>
+          <p:nvPr/>
+        </p:nvSpPr>
+        <p:spPr>
+          <a:xfrm>
+            <a:off x="7053756" y="2403387"/>
+            <a:ext cx="461986" cy="369332"/>
+          </a:xfrm>
+          <a:prstGeom prst="rect">
+            <a:avLst/>
+          </a:prstGeom>
+        </p:spPr>
+        <p:txBody>
+          <a:bodyPr wrap="none">
+            <a:spAutoFit/>
+          </a:bodyPr>
+          <a:lstStyle/>
+          <a:p>
+            <a:r>
+              <a:rPr lang="en-GB" dirty="0" smtClean="0"/>
+              <a:t>OR</a:t>
+            </a:r>
+            <a:endParaRPr lang="en-GB" dirty="0"/>
+          </a:p>
+        </p:txBody>
+      </p:sp>
+      <p:sp>
+        <p:nvSpPr>
+          <p:cNvPr id="25" name="Rectangle 24"/>
+          <p:cNvSpPr/>
+          <p:nvPr/>
+        </p:nvSpPr>
+        <p:spPr>
+          <a:xfrm>
+            <a:off x="5229890" y="1086598"/>
+            <a:ext cx="2331472" cy="369332"/>
+          </a:xfrm>
+          <a:prstGeom prst="rect">
+            <a:avLst/>
+          </a:prstGeom>
+        </p:spPr>
+        <p:txBody>
+          <a:bodyPr wrap="none">
+            <a:spAutoFit/>
+          </a:bodyPr>
+          <a:lstStyle/>
+          <a:p>
+            <a:r>
+              <a:rPr lang="en-GB" b="1" dirty="0" smtClean="0"/>
+              <a:t>For each slot machine:</a:t>
+            </a:r>
+            <a:endParaRPr lang="en-GB" b="1" dirty="0"/>
+          </a:p>
+        </p:txBody>
+      </p:sp>
+      <p:sp>
+        <p:nvSpPr>
+          <p:cNvPr id="26" name="Rectangle 25"/>
+          <p:cNvSpPr/>
+          <p:nvPr/>
+        </p:nvSpPr>
+        <p:spPr>
+          <a:xfrm>
+            <a:off x="5670859" y="3145843"/>
+            <a:ext cx="2971431" cy="923330"/>
+          </a:xfrm>
+          <a:prstGeom prst="rect">
+            <a:avLst/>
+          </a:prstGeom>
+        </p:spPr>
+        <p:txBody>
+          <a:bodyPr wrap="square">
+            <a:spAutoFit/>
+          </a:bodyPr>
+          <a:lstStyle/>
+          <a:p>
+            <a:r>
+              <a:rPr lang="en-GB" dirty="0" smtClean="0"/>
+              <a:t>Chances of GIRL or SCISSORS depend on </a:t>
+            </a:r>
+            <a:r>
+              <a:rPr lang="en-GB" b="1" dirty="0" smtClean="0"/>
+              <a:t>which</a:t>
+            </a:r>
+            <a:r>
+              <a:rPr lang="en-GB" dirty="0" smtClean="0"/>
+              <a:t> slot machine is played.</a:t>
+            </a:r>
+            <a:endParaRPr lang="en-GB" dirty="0"/>
+          </a:p>
+        </p:txBody>
+      </p:sp>
+      <p:sp>
+        <p:nvSpPr>
+          <p:cNvPr id="27" name="Rectangle 26"/>
+          <p:cNvSpPr/>
+          <p:nvPr/>
+        </p:nvSpPr>
+        <p:spPr>
+          <a:xfrm>
+            <a:off x="5597001" y="5990346"/>
+            <a:ext cx="3571615" cy="646331"/>
+          </a:xfrm>
+          <a:prstGeom prst="rect">
+            <a:avLst/>
+          </a:prstGeom>
+        </p:spPr>
+        <p:txBody>
+          <a:bodyPr wrap="square">
+            <a:spAutoFit/>
+          </a:bodyPr>
+          <a:lstStyle/>
+          <a:p>
+            <a:r>
+              <a:rPr lang="en-GB" dirty="0" smtClean="0"/>
+              <a:t>Rejecting always leads to the UMBRELLA banknote.</a:t>
+            </a:r>
+            <a:endParaRPr lang="en-GB" dirty="0"/>
+          </a:p>
+        </p:txBody>
+      </p:sp>
+      <p:sp>
+        <p:nvSpPr>
+          <p:cNvPr id="28" name="TextBox 27"/>
+          <p:cNvSpPr txBox="1"/>
+          <p:nvPr/>
+        </p:nvSpPr>
+        <p:spPr>
+          <a:xfrm>
+            <a:off x="5800726" y="4501278"/>
+            <a:ext cx="2258186" cy="369332"/>
+          </a:xfrm>
+          <a:prstGeom prst="rect">
+            <a:avLst/>
+          </a:prstGeom>
+          <a:noFill/>
+        </p:spPr>
+        <p:txBody>
+          <a:bodyPr wrap="square" rtlCol="0">
+            <a:spAutoFit/>
+          </a:bodyPr>
+          <a:lstStyle/>
+          <a:p>
+            <a:r>
+              <a:rPr lang="en-GB" dirty="0" smtClean="0"/>
+              <a:t>UMBRELLA Banknote</a:t>
+            </a:r>
+            <a:endParaRPr lang="en-GB" dirty="0"/>
+          </a:p>
+        </p:txBody>
+      </p:sp>
       <p:pic>
         <p:nvPicPr>
-          <p:cNvPr id="5" name="Picture 4"/>
+          <p:cNvPr id="29" name="Picture 28"/>
           <p:cNvPicPr>
             <a:picLocks noChangeAspect="1"/>
           </p:cNvPicPr>
@@ -7941,310 +8757,17 @@
         </p:blipFill>
         <p:spPr>
           <a:xfrm>
-            <a:off x="6041759" y="5057362"/>
-            <a:ext cx="684000" cy="684000"/>
+            <a:off x="5663093" y="2284039"/>
+            <a:ext cx="673458" cy="673458"/>
           </a:xfrm>
           <a:prstGeom prst="rect">
             <a:avLst/>
           </a:prstGeom>
         </p:spPr>
       </p:pic>
-      <p:sp>
-        <p:nvSpPr>
-          <p:cNvPr id="6" name="TextBox 5"/>
-          <p:cNvSpPr txBox="1"/>
-          <p:nvPr/>
-        </p:nvSpPr>
-        <p:spPr>
-          <a:xfrm>
-            <a:off x="6800720" y="5223200"/>
-            <a:ext cx="577929" cy="369332"/>
-          </a:xfrm>
-          <a:prstGeom prst="rect">
-            <a:avLst/>
-          </a:prstGeom>
-          <a:noFill/>
-        </p:spPr>
-        <p:txBody>
-          <a:bodyPr wrap="square" rtlCol="0">
-            <a:spAutoFit/>
-          </a:bodyPr>
-          <a:lstStyle/>
-          <a:p>
-            <a:r>
-              <a:rPr lang="en-GB" dirty="0" smtClean="0">
-                <a:solidFill>
-                  <a:srgbClr val="FFFF00"/>
-                </a:solidFill>
-              </a:rPr>
-              <a:t>XX</a:t>
-            </a:r>
-            <a:endParaRPr lang="en-GB" dirty="0">
-              <a:solidFill>
-                <a:srgbClr val="FFFF00"/>
-              </a:solidFill>
-            </a:endParaRPr>
-          </a:p>
-        </p:txBody>
-      </p:sp>
-      <p:sp>
-        <p:nvSpPr>
-          <p:cNvPr id="7" name="Rectangle 6"/>
-          <p:cNvSpPr/>
-          <p:nvPr/>
-        </p:nvSpPr>
-        <p:spPr>
-          <a:xfrm>
-            <a:off x="5590209" y="4102344"/>
-            <a:ext cx="1363578" cy="369332"/>
-          </a:xfrm>
-          <a:prstGeom prst="rect">
-            <a:avLst/>
-          </a:prstGeom>
-        </p:spPr>
-        <p:txBody>
-          <a:bodyPr wrap="none">
-            <a:spAutoFit/>
-          </a:bodyPr>
-          <a:lstStyle/>
-          <a:p>
-            <a:r>
-              <a:rPr lang="en-GB" dirty="0" smtClean="0"/>
-              <a:t>If you </a:t>
-            </a:r>
-            <a:r>
-              <a:rPr lang="en-GB" b="1" dirty="0" smtClean="0"/>
-              <a:t>reject</a:t>
-            </a:r>
-            <a:r>
-              <a:rPr lang="en-GB" dirty="0" smtClean="0"/>
-              <a:t>:</a:t>
-            </a:r>
-            <a:endParaRPr lang="en-GB" dirty="0"/>
-          </a:p>
-        </p:txBody>
-      </p:sp>
-      <p:sp>
-        <p:nvSpPr>
-          <p:cNvPr id="15" name="Rectangle 14"/>
-          <p:cNvSpPr/>
-          <p:nvPr/>
-        </p:nvSpPr>
-        <p:spPr>
-          <a:xfrm>
-            <a:off x="7561362" y="2221280"/>
-            <a:ext cx="1512000" cy="828000"/>
-          </a:xfrm>
-          <a:prstGeom prst="rect">
-            <a:avLst/>
-          </a:prstGeom>
-          <a:solidFill>
-            <a:srgbClr val="635C52"/>
-          </a:solidFill>
-        </p:spPr>
-        <p:style>
-          <a:lnRef idx="1">
-            <a:schemeClr val="accent1"/>
-          </a:lnRef>
-          <a:fillRef idx="3">
-            <a:schemeClr val="accent1"/>
-          </a:fillRef>
-          <a:effectRef idx="2">
-            <a:schemeClr val="accent1"/>
-          </a:effectRef>
-          <a:fontRef idx="minor">
-            <a:schemeClr val="lt1"/>
-          </a:fontRef>
-        </p:style>
-        <p:txBody>
-          <a:bodyPr rtlCol="0" anchor="ctr"/>
-          <a:lstStyle/>
-          <a:p>
-            <a:pPr algn="ctr"/>
-            <a:endParaRPr lang="en-GB"/>
-          </a:p>
-        </p:txBody>
-      </p:sp>
-      <p:sp>
-        <p:nvSpPr>
-          <p:cNvPr id="16" name="Rectangle 15"/>
-          <p:cNvSpPr/>
-          <p:nvPr/>
-        </p:nvSpPr>
-        <p:spPr>
-          <a:xfrm>
-            <a:off x="5523858" y="2182679"/>
-            <a:ext cx="1512000" cy="828000"/>
-          </a:xfrm>
-          <a:prstGeom prst="rect">
-            <a:avLst/>
-          </a:prstGeom>
-          <a:solidFill>
-            <a:srgbClr val="635C52"/>
-          </a:solidFill>
-        </p:spPr>
-        <p:style>
-          <a:lnRef idx="1">
-            <a:schemeClr val="accent1"/>
-          </a:lnRef>
-          <a:fillRef idx="3">
-            <a:schemeClr val="accent1"/>
-          </a:fillRef>
-          <a:effectRef idx="2">
-            <a:schemeClr val="accent1"/>
-          </a:effectRef>
-          <a:fontRef idx="minor">
-            <a:schemeClr val="lt1"/>
-          </a:fontRef>
-        </p:style>
-        <p:txBody>
-          <a:bodyPr rtlCol="0" anchor="ctr"/>
-          <a:lstStyle/>
-          <a:p>
-            <a:pPr algn="ctr"/>
-            <a:endParaRPr lang="en-GB"/>
-          </a:p>
-        </p:txBody>
-      </p:sp>
-      <p:sp>
-        <p:nvSpPr>
-          <p:cNvPr id="17" name="TextBox 16"/>
-          <p:cNvSpPr txBox="1"/>
-          <p:nvPr/>
-        </p:nvSpPr>
-        <p:spPr>
-          <a:xfrm>
-            <a:off x="8448225" y="2449809"/>
-            <a:ext cx="577929" cy="369332"/>
-          </a:xfrm>
-          <a:prstGeom prst="rect">
-            <a:avLst/>
-          </a:prstGeom>
-          <a:noFill/>
-        </p:spPr>
-        <p:txBody>
-          <a:bodyPr wrap="square" rtlCol="0">
-            <a:spAutoFit/>
-          </a:bodyPr>
-          <a:lstStyle/>
-          <a:p>
-            <a:r>
-              <a:rPr lang="en-GB" dirty="0" smtClean="0">
-                <a:solidFill>
-                  <a:srgbClr val="FFFF00"/>
-                </a:solidFill>
-              </a:rPr>
-              <a:t>XX</a:t>
-            </a:r>
-            <a:endParaRPr lang="en-GB" dirty="0">
-              <a:solidFill>
-                <a:srgbClr val="FFFF00"/>
-              </a:solidFill>
-            </a:endParaRPr>
-          </a:p>
-        </p:txBody>
-      </p:sp>
-      <p:sp>
-        <p:nvSpPr>
-          <p:cNvPr id="18" name="TextBox 17"/>
-          <p:cNvSpPr txBox="1"/>
-          <p:nvPr/>
-        </p:nvSpPr>
-        <p:spPr>
-          <a:xfrm>
-            <a:off x="6383759" y="2417739"/>
-            <a:ext cx="577929" cy="369332"/>
-          </a:xfrm>
-          <a:prstGeom prst="rect">
-            <a:avLst/>
-          </a:prstGeom>
-          <a:noFill/>
-        </p:spPr>
-        <p:txBody>
-          <a:bodyPr wrap="square" rtlCol="0">
-            <a:spAutoFit/>
-          </a:bodyPr>
-          <a:lstStyle/>
-          <a:p>
-            <a:r>
-              <a:rPr lang="en-GB" dirty="0" smtClean="0">
-                <a:solidFill>
-                  <a:srgbClr val="FFFF00"/>
-                </a:solidFill>
-              </a:rPr>
-              <a:t>XX</a:t>
-            </a:r>
-            <a:endParaRPr lang="en-GB" dirty="0">
-              <a:solidFill>
-                <a:srgbClr val="FFFF00"/>
-              </a:solidFill>
-            </a:endParaRPr>
-          </a:p>
-        </p:txBody>
-      </p:sp>
-      <p:sp>
-        <p:nvSpPr>
-          <p:cNvPr id="19" name="TextBox 18"/>
-          <p:cNvSpPr txBox="1"/>
-          <p:nvPr/>
-        </p:nvSpPr>
-        <p:spPr>
-          <a:xfrm>
-            <a:off x="7119041" y="1822715"/>
-            <a:ext cx="2065048" cy="369332"/>
-          </a:xfrm>
-          <a:prstGeom prst="rect">
-            <a:avLst/>
-          </a:prstGeom>
-          <a:noFill/>
-        </p:spPr>
-        <p:txBody>
-          <a:bodyPr wrap="square" rtlCol="0">
-            <a:spAutoFit/>
-          </a:bodyPr>
-          <a:lstStyle/>
-          <a:p>
-            <a:r>
-              <a:rPr lang="en-GB" dirty="0" smtClean="0"/>
-              <a:t>SCISSORS Banknote</a:t>
-            </a:r>
-            <a:endParaRPr lang="en-GB" dirty="0"/>
-          </a:p>
-        </p:txBody>
-      </p:sp>
-      <p:sp>
-        <p:nvSpPr>
-          <p:cNvPr id="20" name="TextBox 19"/>
-          <p:cNvSpPr txBox="1"/>
-          <p:nvPr/>
-        </p:nvSpPr>
-        <p:spPr>
-          <a:xfrm>
-            <a:off x="5404028" y="1788322"/>
-            <a:ext cx="1850065" cy="369332"/>
-          </a:xfrm>
-          <a:prstGeom prst="rect">
-            <a:avLst/>
-          </a:prstGeom>
-          <a:noFill/>
-        </p:spPr>
-        <p:txBody>
-          <a:bodyPr wrap="square" rtlCol="0">
-            <a:spAutoFit/>
-          </a:bodyPr>
-          <a:lstStyle/>
-          <a:p>
-            <a:r>
-              <a:rPr lang="en-GB" dirty="0" smtClean="0"/>
-              <a:t>GIRL Banknote</a:t>
-            </a:r>
-            <a:endParaRPr lang="en-GB" dirty="0"/>
-          </a:p>
-        </p:txBody>
-      </p:sp>
       <p:pic>
         <p:nvPicPr>
-          <p:cNvPr id="21" name="Picture 20"/>
+          <p:cNvPr id="30" name="Picture 29"/>
           <p:cNvPicPr>
             <a:picLocks noChangeAspect="1"/>
           </p:cNvPicPr>
@@ -8264,8 +8787,8 @@
         </p:blipFill>
         <p:spPr>
           <a:xfrm>
-            <a:off x="7684455" y="2298058"/>
-            <a:ext cx="684000" cy="684000"/>
+            <a:off x="7711568" y="2332768"/>
+            <a:ext cx="659356" cy="659356"/>
           </a:xfrm>
           <a:prstGeom prst="rect">
             <a:avLst/>
@@ -8274,7 +8797,7 @@
       </p:pic>
       <p:pic>
         <p:nvPicPr>
-          <p:cNvPr id="22" name="Picture 21"/>
+          <p:cNvPr id="31" name="Picture 30"/>
           <p:cNvPicPr>
             <a:picLocks noChangeAspect="1"/>
           </p:cNvPicPr>
@@ -8294,213 +8817,14 @@
         </p:blipFill>
         <p:spPr>
           <a:xfrm>
-            <a:off x="5625589" y="2246796"/>
-            <a:ext cx="684000" cy="684000"/>
+            <a:off x="6029708" y="5063263"/>
+            <a:ext cx="731836" cy="731836"/>
           </a:xfrm>
           <a:prstGeom prst="rect">
             <a:avLst/>
           </a:prstGeom>
         </p:spPr>
       </p:pic>
-      <p:sp>
-        <p:nvSpPr>
-          <p:cNvPr id="23" name="Rectangle 22"/>
-          <p:cNvSpPr/>
-          <p:nvPr/>
-        </p:nvSpPr>
-        <p:spPr>
-          <a:xfrm>
-            <a:off x="5326576" y="1454877"/>
-            <a:ext cx="1224566" cy="369332"/>
-          </a:xfrm>
-          <a:prstGeom prst="rect">
-            <a:avLst/>
-          </a:prstGeom>
-        </p:spPr>
-        <p:txBody>
-          <a:bodyPr wrap="none">
-            <a:spAutoFit/>
-          </a:bodyPr>
-          <a:lstStyle/>
-          <a:p>
-            <a:r>
-              <a:rPr lang="en-GB" dirty="0" smtClean="0"/>
-              <a:t>If </a:t>
-            </a:r>
-            <a:r>
-              <a:rPr lang="en-GB" dirty="0"/>
-              <a:t>you</a:t>
-            </a:r>
-            <a:r>
-              <a:rPr lang="en-GB" dirty="0" smtClean="0"/>
-              <a:t> </a:t>
-            </a:r>
-            <a:r>
-              <a:rPr lang="en-GB" b="1" dirty="0" smtClean="0"/>
-              <a:t>play</a:t>
-            </a:r>
-            <a:r>
-              <a:rPr lang="en-GB" dirty="0" smtClean="0"/>
-              <a:t>:</a:t>
-            </a:r>
-            <a:endParaRPr lang="en-GB" dirty="0"/>
-          </a:p>
-        </p:txBody>
-      </p:sp>
-      <p:sp>
-        <p:nvSpPr>
-          <p:cNvPr id="24" name="Rectangle 23"/>
-          <p:cNvSpPr/>
-          <p:nvPr/>
-        </p:nvSpPr>
-        <p:spPr>
-          <a:xfrm>
-            <a:off x="7053756" y="2403387"/>
-            <a:ext cx="461986" cy="369332"/>
-          </a:xfrm>
-          <a:prstGeom prst="rect">
-            <a:avLst/>
-          </a:prstGeom>
-        </p:spPr>
-        <p:txBody>
-          <a:bodyPr wrap="none">
-            <a:spAutoFit/>
-          </a:bodyPr>
-          <a:lstStyle/>
-          <a:p>
-            <a:r>
-              <a:rPr lang="en-GB" dirty="0" smtClean="0"/>
-              <a:t>OR</a:t>
-            </a:r>
-            <a:endParaRPr lang="en-GB" dirty="0"/>
-          </a:p>
-        </p:txBody>
-      </p:sp>
-      <p:sp>
-        <p:nvSpPr>
-          <p:cNvPr id="25" name="Rectangle 24"/>
-          <p:cNvSpPr/>
-          <p:nvPr/>
-        </p:nvSpPr>
-        <p:spPr>
-          <a:xfrm>
-            <a:off x="5229890" y="1086598"/>
-            <a:ext cx="2331472" cy="369332"/>
-          </a:xfrm>
-          <a:prstGeom prst="rect">
-            <a:avLst/>
-          </a:prstGeom>
-        </p:spPr>
-        <p:txBody>
-          <a:bodyPr wrap="none">
-            <a:spAutoFit/>
-          </a:bodyPr>
-          <a:lstStyle/>
-          <a:p>
-            <a:r>
-              <a:rPr lang="en-GB" b="1" dirty="0" smtClean="0"/>
-              <a:t>For each slot machine:</a:t>
-            </a:r>
-            <a:endParaRPr lang="en-GB" b="1" dirty="0"/>
-          </a:p>
-        </p:txBody>
-      </p:sp>
-      <p:sp>
-        <p:nvSpPr>
-          <p:cNvPr id="26" name="Rectangle 25"/>
-          <p:cNvSpPr/>
-          <p:nvPr/>
-        </p:nvSpPr>
-        <p:spPr>
-          <a:xfrm>
-            <a:off x="5670859" y="3145843"/>
-            <a:ext cx="2971431" cy="923330"/>
-          </a:xfrm>
-          <a:prstGeom prst="rect">
-            <a:avLst/>
-          </a:prstGeom>
-        </p:spPr>
-        <p:txBody>
-          <a:bodyPr wrap="square">
-            <a:spAutoFit/>
-          </a:bodyPr>
-          <a:lstStyle/>
-          <a:p>
-            <a:r>
-              <a:rPr lang="en-GB" dirty="0" smtClean="0"/>
-              <a:t>Chances of GIRL or SCISSORS depend on </a:t>
-            </a:r>
-            <a:r>
-              <a:rPr lang="en-GB" b="1" dirty="0" smtClean="0"/>
-              <a:t>which</a:t>
-            </a:r>
-            <a:r>
-              <a:rPr lang="en-GB" dirty="0" smtClean="0"/>
-              <a:t> slot machine is played.</a:t>
-            </a:r>
-            <a:endParaRPr lang="en-GB" dirty="0"/>
-          </a:p>
-        </p:txBody>
-      </p:sp>
-      <p:sp>
-        <p:nvSpPr>
-          <p:cNvPr id="27" name="Rectangle 26"/>
-          <p:cNvSpPr/>
-          <p:nvPr/>
-        </p:nvSpPr>
-        <p:spPr>
-          <a:xfrm>
-            <a:off x="5597001" y="5990346"/>
-            <a:ext cx="3571615" cy="646331"/>
-          </a:xfrm>
-          <a:prstGeom prst="rect">
-            <a:avLst/>
-          </a:prstGeom>
-        </p:spPr>
-        <p:txBody>
-          <a:bodyPr wrap="square">
-            <a:spAutoFit/>
-          </a:bodyPr>
-          <a:lstStyle/>
-          <a:p>
-            <a:r>
-              <a:rPr lang="en-GB" dirty="0" smtClean="0"/>
-              <a:t>Rejecting always leads to the HOUSE banknote.</a:t>
-            </a:r>
-            <a:endParaRPr lang="en-GB" dirty="0"/>
-          </a:p>
-        </p:txBody>
-      </p:sp>
-      <p:sp>
-        <p:nvSpPr>
-          <p:cNvPr id="28" name="TextBox 27"/>
-          <p:cNvSpPr txBox="1"/>
-          <p:nvPr/>
-        </p:nvSpPr>
-        <p:spPr>
-          <a:xfrm>
-            <a:off x="5800726" y="4501278"/>
-            <a:ext cx="1850065" cy="369332"/>
-          </a:xfrm>
-          <a:prstGeom prst="rect">
-            <a:avLst/>
-          </a:prstGeom>
-          <a:noFill/>
-        </p:spPr>
-        <p:txBody>
-          <a:bodyPr wrap="square" rtlCol="0">
-            <a:spAutoFit/>
-          </a:bodyPr>
-          <a:lstStyle/>
-          <a:p>
-            <a:r>
-              <a:rPr lang="en-GB" dirty="0" smtClean="0"/>
-              <a:t>HOUSE Banknote</a:t>
-            </a:r>
-            <a:endParaRPr lang="en-GB" dirty="0"/>
-          </a:p>
-        </p:txBody>
-      </p:sp>
     </p:spTree>
     <p:extLst>
       <p:ext uri="{BB962C8B-B14F-4D97-AF65-F5344CB8AC3E}">
@@ -8728,9 +9052,224 @@
           </a:p>
         </p:txBody>
       </p:sp>
+      <p:sp>
+        <p:nvSpPr>
+          <p:cNvPr id="8" name="Rectangle 7"/>
+          <p:cNvSpPr/>
+          <p:nvPr/>
+        </p:nvSpPr>
+        <p:spPr>
+          <a:xfrm>
+            <a:off x="6132829" y="313330"/>
+            <a:ext cx="1848391" cy="338554"/>
+          </a:xfrm>
+          <a:prstGeom prst="rect">
+            <a:avLst/>
+          </a:prstGeom>
+        </p:spPr>
+        <p:txBody>
+          <a:bodyPr wrap="none">
+            <a:spAutoFit/>
+          </a:bodyPr>
+          <a:lstStyle/>
+          <a:p>
+            <a:r>
+              <a:rPr lang="en-GB" sz="1600" dirty="0" smtClean="0"/>
+              <a:t>Hypothetical game :</a:t>
+            </a:r>
+            <a:endParaRPr lang="en-GB" sz="1600" dirty="0"/>
+          </a:p>
+        </p:txBody>
+      </p:sp>
+      <p:sp>
+        <p:nvSpPr>
+          <p:cNvPr id="9" name="Rectangle 8"/>
+          <p:cNvSpPr/>
+          <p:nvPr/>
+        </p:nvSpPr>
+        <p:spPr>
+          <a:xfrm>
+            <a:off x="5502635" y="2233681"/>
+            <a:ext cx="1512000" cy="828000"/>
+          </a:xfrm>
+          <a:prstGeom prst="rect">
+            <a:avLst/>
+          </a:prstGeom>
+          <a:solidFill>
+            <a:srgbClr val="635C52"/>
+          </a:solidFill>
+        </p:spPr>
+        <p:style>
+          <a:lnRef idx="1">
+            <a:schemeClr val="accent1"/>
+          </a:lnRef>
+          <a:fillRef idx="3">
+            <a:schemeClr val="accent1"/>
+          </a:fillRef>
+          <a:effectRef idx="2">
+            <a:schemeClr val="accent1"/>
+          </a:effectRef>
+          <a:fontRef idx="minor">
+            <a:schemeClr val="lt1"/>
+          </a:fontRef>
+        </p:style>
+        <p:txBody>
+          <a:bodyPr rtlCol="0" anchor="ctr"/>
+          <a:lstStyle/>
+          <a:p>
+            <a:pPr algn="ctr"/>
+            <a:endParaRPr lang="en-GB"/>
+          </a:p>
+        </p:txBody>
+      </p:sp>
+      <p:sp>
+        <p:nvSpPr>
+          <p:cNvPr id="10" name="TextBox 9"/>
+          <p:cNvSpPr txBox="1"/>
+          <p:nvPr/>
+        </p:nvSpPr>
+        <p:spPr>
+          <a:xfrm>
+            <a:off x="6412902" y="2448489"/>
+            <a:ext cx="577929" cy="369332"/>
+          </a:xfrm>
+          <a:prstGeom prst="rect">
+            <a:avLst/>
+          </a:prstGeom>
+          <a:noFill/>
+        </p:spPr>
+        <p:txBody>
+          <a:bodyPr wrap="square" rtlCol="0">
+            <a:spAutoFit/>
+          </a:bodyPr>
+          <a:lstStyle/>
+          <a:p>
+            <a:r>
+              <a:rPr lang="en-GB" dirty="0" smtClean="0">
+                <a:solidFill>
+                  <a:srgbClr val="FFFF00"/>
+                </a:solidFill>
+              </a:rPr>
+              <a:t>8</a:t>
+            </a:r>
+            <a:endParaRPr lang="en-GB" dirty="0">
+              <a:solidFill>
+                <a:srgbClr val="FFFF00"/>
+              </a:solidFill>
+            </a:endParaRPr>
+          </a:p>
+        </p:txBody>
+      </p:sp>
+      <p:sp>
+        <p:nvSpPr>
+          <p:cNvPr id="12" name="Rectangle 11"/>
+          <p:cNvSpPr/>
+          <p:nvPr/>
+        </p:nvSpPr>
+        <p:spPr>
+          <a:xfrm>
+            <a:off x="5578260" y="3844423"/>
+            <a:ext cx="2825141" cy="1569660"/>
+          </a:xfrm>
+          <a:prstGeom prst="rect">
+            <a:avLst/>
+          </a:prstGeom>
+        </p:spPr>
+        <p:txBody>
+          <a:bodyPr wrap="square">
+            <a:spAutoFit/>
+          </a:bodyPr>
+          <a:lstStyle/>
+          <a:p>
+            <a:r>
+              <a:rPr lang="en-GB" sz="1200" dirty="0" smtClean="0"/>
+              <a:t>This screen from a hypothetical game shows that for this game, if you PLAY the slot machine, you will either get the BALL banknote and collect 72 points or the BANANA banknote and collect 8 points. If you reject the slot machine, you’ll get the UMBRELLA banknote and collect 48 points.</a:t>
+            </a:r>
+          </a:p>
+        </p:txBody>
+      </p:sp>
+      <p:sp>
+        <p:nvSpPr>
+          <p:cNvPr id="13" name="Rectangle 12"/>
+          <p:cNvSpPr/>
+          <p:nvPr/>
+        </p:nvSpPr>
+        <p:spPr>
+          <a:xfrm>
+            <a:off x="7080290" y="1662018"/>
+            <a:ext cx="1512000" cy="828000"/>
+          </a:xfrm>
+          <a:prstGeom prst="rect">
+            <a:avLst/>
+          </a:prstGeom>
+          <a:solidFill>
+            <a:srgbClr val="635C52"/>
+          </a:solidFill>
+        </p:spPr>
+        <p:style>
+          <a:lnRef idx="1">
+            <a:schemeClr val="accent1"/>
+          </a:lnRef>
+          <a:fillRef idx="3">
+            <a:schemeClr val="accent1"/>
+          </a:fillRef>
+          <a:effectRef idx="2">
+            <a:schemeClr val="accent1"/>
+          </a:effectRef>
+          <a:fontRef idx="minor">
+            <a:schemeClr val="lt1"/>
+          </a:fontRef>
+        </p:style>
+        <p:txBody>
+          <a:bodyPr rtlCol="0" anchor="ctr"/>
+          <a:lstStyle/>
+          <a:p>
+            <a:pPr algn="ctr"/>
+            <a:endParaRPr lang="en-GB"/>
+          </a:p>
+        </p:txBody>
+      </p:sp>
+      <p:sp>
+        <p:nvSpPr>
+          <p:cNvPr id="14" name="TextBox 13"/>
+          <p:cNvSpPr txBox="1"/>
+          <p:nvPr/>
+        </p:nvSpPr>
+        <p:spPr>
+          <a:xfrm>
+            <a:off x="7940191" y="1897078"/>
+            <a:ext cx="577929" cy="369332"/>
+          </a:xfrm>
+          <a:prstGeom prst="rect">
+            <a:avLst/>
+          </a:prstGeom>
+          <a:noFill/>
+        </p:spPr>
+        <p:txBody>
+          <a:bodyPr wrap="square" rtlCol="0">
+            <a:spAutoFit/>
+          </a:bodyPr>
+          <a:lstStyle/>
+          <a:p>
+            <a:r>
+              <a:rPr lang="en-GB" dirty="0" smtClean="0">
+                <a:solidFill>
+                  <a:srgbClr val="FFFF00"/>
+                </a:solidFill>
+              </a:rPr>
+              <a:t>48</a:t>
+            </a:r>
+            <a:endParaRPr lang="en-GB" dirty="0">
+              <a:solidFill>
+                <a:srgbClr val="FFFF00"/>
+              </a:solidFill>
+            </a:endParaRPr>
+          </a:p>
+        </p:txBody>
+      </p:sp>
       <p:pic>
         <p:nvPicPr>
-          <p:cNvPr id="7" name="Picture 6"/>
+          <p:cNvPr id="15" name="Picture 14"/>
           <p:cNvPicPr>
             <a:picLocks noChangeAspect="1"/>
           </p:cNvPicPr>
@@ -8750,125 +9289,17 @@
         </p:blipFill>
         <p:spPr>
           <a:xfrm>
-            <a:off x="5601924" y="1288830"/>
-            <a:ext cx="684000" cy="684000"/>
+            <a:off x="5618066" y="1277951"/>
+            <a:ext cx="673458" cy="673458"/>
           </a:xfrm>
           <a:prstGeom prst="rect">
             <a:avLst/>
           </a:prstGeom>
         </p:spPr>
       </p:pic>
-      <p:sp>
-        <p:nvSpPr>
-          <p:cNvPr id="8" name="Rectangle 7"/>
-          <p:cNvSpPr/>
-          <p:nvPr/>
-        </p:nvSpPr>
-        <p:spPr>
-          <a:xfrm>
-            <a:off x="6132829" y="313330"/>
-            <a:ext cx="1848391" cy="338554"/>
-          </a:xfrm>
-          <a:prstGeom prst="rect">
-            <a:avLst/>
-          </a:prstGeom>
-        </p:spPr>
-        <p:txBody>
-          <a:bodyPr wrap="none">
-            <a:spAutoFit/>
-          </a:bodyPr>
-          <a:lstStyle/>
-          <a:p>
-            <a:r>
-              <a:rPr lang="en-GB" sz="1600" dirty="0" smtClean="0"/>
-              <a:t>Hypothetical game :</a:t>
-            </a:r>
-            <a:endParaRPr lang="en-GB" sz="1600" dirty="0"/>
-          </a:p>
-        </p:txBody>
-      </p:sp>
-      <p:sp>
-        <p:nvSpPr>
-          <p:cNvPr id="9" name="Rectangle 8"/>
-          <p:cNvSpPr/>
-          <p:nvPr/>
-        </p:nvSpPr>
-        <p:spPr>
-          <a:xfrm>
-            <a:off x="5502635" y="2233681"/>
-            <a:ext cx="1512000" cy="828000"/>
-          </a:xfrm>
-          <a:prstGeom prst="rect">
-            <a:avLst/>
-          </a:prstGeom>
-          <a:solidFill>
-            <a:srgbClr val="635C52"/>
-          </a:solidFill>
-        </p:spPr>
-        <p:style>
-          <a:lnRef idx="1">
-            <a:schemeClr val="accent1"/>
-          </a:lnRef>
-          <a:fillRef idx="3">
-            <a:schemeClr val="accent1"/>
-          </a:fillRef>
-          <a:effectRef idx="2">
-            <a:schemeClr val="accent1"/>
-          </a:effectRef>
-          <a:fontRef idx="minor">
-            <a:schemeClr val="lt1"/>
-          </a:fontRef>
-        </p:style>
-        <p:txBody>
-          <a:bodyPr rtlCol="0" anchor="ctr"/>
-          <a:lstStyle/>
-          <a:p>
-            <a:pPr algn="ctr"/>
-            <a:endParaRPr lang="en-GB"/>
-          </a:p>
-        </p:txBody>
-      </p:sp>
-      <p:sp>
-        <p:nvSpPr>
-          <p:cNvPr id="10" name="TextBox 9"/>
-          <p:cNvSpPr txBox="1"/>
-          <p:nvPr/>
-        </p:nvSpPr>
-        <p:spPr>
-          <a:xfrm>
-            <a:off x="6412902" y="2448489"/>
-            <a:ext cx="577929" cy="369332"/>
-          </a:xfrm>
-          <a:prstGeom prst="rect">
-            <a:avLst/>
-          </a:prstGeom>
-          <a:noFill/>
-        </p:spPr>
-        <p:txBody>
-          <a:bodyPr wrap="square" rtlCol="0">
-            <a:spAutoFit/>
-          </a:bodyPr>
-          <a:lstStyle/>
-          <a:p>
-            <a:r>
-              <a:rPr lang="en-GB" dirty="0" smtClean="0">
-                <a:solidFill>
-                  <a:srgbClr val="FFFF00"/>
-                </a:solidFill>
-              </a:rPr>
-              <a:t>8</a:t>
-            </a:r>
-            <a:endParaRPr lang="en-GB" dirty="0">
-              <a:solidFill>
-                <a:srgbClr val="FFFF00"/>
-              </a:solidFill>
-            </a:endParaRPr>
-          </a:p>
-        </p:txBody>
-      </p:sp>
       <p:pic>
         <p:nvPicPr>
-          <p:cNvPr id="11" name="Picture 10"/>
+          <p:cNvPr id="17" name="Picture 16"/>
           <p:cNvPicPr>
             <a:picLocks noChangeAspect="1"/>
           </p:cNvPicPr>
@@ -8888,124 +9319,17 @@
         </p:blipFill>
         <p:spPr>
           <a:xfrm>
-            <a:off x="5640664" y="2305681"/>
-            <a:ext cx="684000" cy="684000"/>
+            <a:off x="5627628" y="2332768"/>
+            <a:ext cx="659356" cy="659356"/>
           </a:xfrm>
           <a:prstGeom prst="rect">
             <a:avLst/>
           </a:prstGeom>
         </p:spPr>
       </p:pic>
-      <p:sp>
-        <p:nvSpPr>
-          <p:cNvPr id="12" name="Rectangle 11"/>
-          <p:cNvSpPr/>
-          <p:nvPr/>
-        </p:nvSpPr>
-        <p:spPr>
-          <a:xfrm>
-            <a:off x="5578260" y="3844423"/>
-            <a:ext cx="2825141" cy="1569660"/>
-          </a:xfrm>
-          <a:prstGeom prst="rect">
-            <a:avLst/>
-          </a:prstGeom>
-        </p:spPr>
-        <p:txBody>
-          <a:bodyPr wrap="square">
-            <a:spAutoFit/>
-          </a:bodyPr>
-          <a:lstStyle/>
-          <a:p>
-            <a:r>
-              <a:rPr lang="en-GB" sz="1200" dirty="0" smtClean="0"/>
-              <a:t>This screen from a hypothetical game shows that for this game, if you PLAY the slot machine, you will either get the SCISSORS banknote and collect 72 points or the GIRL banknote and collect 8 points. If you reject the slot machine, you’ll get the HOUSE banknote and collect 48 points.</a:t>
-            </a:r>
-          </a:p>
-        </p:txBody>
-      </p:sp>
-      <p:sp>
-        <p:nvSpPr>
-          <p:cNvPr id="13" name="Rectangle 12"/>
-          <p:cNvSpPr/>
-          <p:nvPr/>
-        </p:nvSpPr>
-        <p:spPr>
-          <a:xfrm>
-            <a:off x="7080290" y="1662018"/>
-            <a:ext cx="1512000" cy="828000"/>
-          </a:xfrm>
-          <a:prstGeom prst="rect">
-            <a:avLst/>
-          </a:prstGeom>
-          <a:solidFill>
-            <a:srgbClr val="635C52"/>
-          </a:solidFill>
-        </p:spPr>
-        <p:style>
-          <a:lnRef idx="1">
-            <a:schemeClr val="accent1"/>
-          </a:lnRef>
-          <a:fillRef idx="3">
-            <a:schemeClr val="accent1"/>
-          </a:fillRef>
-          <a:effectRef idx="2">
-            <a:schemeClr val="accent1"/>
-          </a:effectRef>
-          <a:fontRef idx="minor">
-            <a:schemeClr val="lt1"/>
-          </a:fontRef>
-        </p:style>
-        <p:txBody>
-          <a:bodyPr rtlCol="0" anchor="ctr"/>
-          <a:lstStyle/>
-          <a:p>
-            <a:pPr algn="ctr"/>
-            <a:endParaRPr lang="en-GB"/>
-          </a:p>
-        </p:txBody>
-      </p:sp>
-      <p:sp>
-        <p:nvSpPr>
-          <p:cNvPr id="14" name="TextBox 13"/>
-          <p:cNvSpPr txBox="1"/>
-          <p:nvPr/>
-        </p:nvSpPr>
-        <p:spPr>
-          <a:xfrm>
-            <a:off x="7940191" y="1897078"/>
-            <a:ext cx="577929" cy="369332"/>
-          </a:xfrm>
-          <a:prstGeom prst="rect">
-            <a:avLst/>
-          </a:prstGeom>
-          <a:noFill/>
-        </p:spPr>
-        <p:txBody>
-          <a:bodyPr wrap="square" rtlCol="0">
-            <a:spAutoFit/>
-          </a:bodyPr>
-          <a:lstStyle/>
-          <a:p>
-            <a:r>
-              <a:rPr lang="en-GB" dirty="0" smtClean="0">
-                <a:solidFill>
-                  <a:srgbClr val="FFFF00"/>
-                </a:solidFill>
-              </a:rPr>
-              <a:t>48</a:t>
-            </a:r>
-            <a:endParaRPr lang="en-GB" dirty="0">
-              <a:solidFill>
-                <a:srgbClr val="FFFF00"/>
-              </a:solidFill>
-            </a:endParaRPr>
-          </a:p>
-        </p:txBody>
-      </p:sp>
       <p:pic>
         <p:nvPicPr>
-          <p:cNvPr id="16" name="Picture 15"/>
+          <p:cNvPr id="18" name="Picture 17"/>
           <p:cNvPicPr>
             <a:picLocks noChangeAspect="1"/>
           </p:cNvPicPr>
@@ -9025,8 +9349,8 @@
         </p:blipFill>
         <p:spPr>
           <a:xfrm>
-            <a:off x="7152664" y="1740073"/>
-            <a:ext cx="684000" cy="684000"/>
+            <a:off x="7189366" y="1727466"/>
+            <a:ext cx="731836" cy="731836"/>
           </a:xfrm>
           <a:prstGeom prst="rect">
             <a:avLst/>
@@ -9481,7 +9805,7 @@
     </a:clrScheme>
     <a:fontScheme name="Office">
       <a:majorFont>
-        <a:latin typeface="Calibri Light" panose="020F0302020204030204"/>
+        <a:latin typeface="Calibri Light"/>
         <a:ea typeface=""/>
         <a:cs typeface=""/>
         <a:font script="Jpan" typeface="游ゴシック Light"/>
@@ -9516,7 +9840,7 @@
         <a:font script="Geor" typeface="Sylfaen"/>
       </a:majorFont>
       <a:minorFont>
-        <a:latin typeface="Calibri" panose="020F0502020204030204"/>
+        <a:latin typeface="Calibri"/>
         <a:ea typeface=""/>
         <a:cs typeface=""/>
         <a:font script="Jpan" typeface="游ゴシック"/>
@@ -9693,7 +10017,7 @@
   <a:extraClrSchemeLst/>
   <a:extLst>
     <a:ext uri="{05A4C25C-085E-4340-85A3-A5531E510DB2}">
-      <thm15:themeFamily xmlns:thm15="http://schemas.microsoft.com/office/thememl/2012/main" name="Office Theme" id="{62F939B6-93AF-4DB8-9C6B-D6C7DFDC589F}" vid="{4A3C46E8-61CC-4603-A589-7422A47A8E4A}"/>
+      <thm15:themeFamily xmlns:thm15="http://schemas.microsoft.com/office/thememl/2012/main" xmlns="" name="Office Theme" id="{62F939B6-93AF-4DB8-9C6B-D6C7DFDC589F}" vid="{4A3C46E8-61CC-4603-A589-7422A47A8E4A}"/>
     </a:ext>
   </a:extLst>
 </a:theme>
